--- a/index.pptx
+++ b/index.pptx
@@ -13,7 +13,7 @@
     <a:defPPr>
       <a:defRPr lang="zh-CN"/>
     </a:defPPr>
-    <a:lvl1pPr marL="0" algn="l" defTabSz="914400" rtl="0" eaLnBrk="1" latinLnBrk="0" hangingPunct="1">
+    <a:lvl1pPr marL="0" algn="l" defTabSz="914252" rtl="0" eaLnBrk="1" latinLnBrk="0" hangingPunct="1">
       <a:defRPr sz="1800" kern="1200">
         <a:solidFill>
           <a:schemeClr val="tx1"/>
@@ -23,7 +23,7 @@
         <a:cs typeface="+mn-cs"/>
       </a:defRPr>
     </a:lvl1pPr>
-    <a:lvl2pPr marL="457200" algn="l" defTabSz="914400" rtl="0" eaLnBrk="1" latinLnBrk="0" hangingPunct="1">
+    <a:lvl2pPr marL="457126" algn="l" defTabSz="914252" rtl="0" eaLnBrk="1" latinLnBrk="0" hangingPunct="1">
       <a:defRPr sz="1800" kern="1200">
         <a:solidFill>
           <a:schemeClr val="tx1"/>
@@ -33,7 +33,7 @@
         <a:cs typeface="+mn-cs"/>
       </a:defRPr>
     </a:lvl2pPr>
-    <a:lvl3pPr marL="914400" algn="l" defTabSz="914400" rtl="0" eaLnBrk="1" latinLnBrk="0" hangingPunct="1">
+    <a:lvl3pPr marL="914252" algn="l" defTabSz="914252" rtl="0" eaLnBrk="1" latinLnBrk="0" hangingPunct="1">
       <a:defRPr sz="1800" kern="1200">
         <a:solidFill>
           <a:schemeClr val="tx1"/>
@@ -43,7 +43,7 @@
         <a:cs typeface="+mn-cs"/>
       </a:defRPr>
     </a:lvl3pPr>
-    <a:lvl4pPr marL="1371600" algn="l" defTabSz="914400" rtl="0" eaLnBrk="1" latinLnBrk="0" hangingPunct="1">
+    <a:lvl4pPr marL="1371378" algn="l" defTabSz="914252" rtl="0" eaLnBrk="1" latinLnBrk="0" hangingPunct="1">
       <a:defRPr sz="1800" kern="1200">
         <a:solidFill>
           <a:schemeClr val="tx1"/>
@@ -53,7 +53,7 @@
         <a:cs typeface="+mn-cs"/>
       </a:defRPr>
     </a:lvl4pPr>
-    <a:lvl5pPr marL="1828800" algn="l" defTabSz="914400" rtl="0" eaLnBrk="1" latinLnBrk="0" hangingPunct="1">
+    <a:lvl5pPr marL="1828504" algn="l" defTabSz="914252" rtl="0" eaLnBrk="1" latinLnBrk="0" hangingPunct="1">
       <a:defRPr sz="1800" kern="1200">
         <a:solidFill>
           <a:schemeClr val="tx1"/>
@@ -63,7 +63,7 @@
         <a:cs typeface="+mn-cs"/>
       </a:defRPr>
     </a:lvl5pPr>
-    <a:lvl6pPr marL="2286000" algn="l" defTabSz="914400" rtl="0" eaLnBrk="1" latinLnBrk="0" hangingPunct="1">
+    <a:lvl6pPr marL="2285630" algn="l" defTabSz="914252" rtl="0" eaLnBrk="1" latinLnBrk="0" hangingPunct="1">
       <a:defRPr sz="1800" kern="1200">
         <a:solidFill>
           <a:schemeClr val="tx1"/>
@@ -73,7 +73,7 @@
         <a:cs typeface="+mn-cs"/>
       </a:defRPr>
     </a:lvl6pPr>
-    <a:lvl7pPr marL="2743200" algn="l" defTabSz="914400" rtl="0" eaLnBrk="1" latinLnBrk="0" hangingPunct="1">
+    <a:lvl7pPr marL="2742757" algn="l" defTabSz="914252" rtl="0" eaLnBrk="1" latinLnBrk="0" hangingPunct="1">
       <a:defRPr sz="1800" kern="1200">
         <a:solidFill>
           <a:schemeClr val="tx1"/>
@@ -83,7 +83,7 @@
         <a:cs typeface="+mn-cs"/>
       </a:defRPr>
     </a:lvl7pPr>
-    <a:lvl8pPr marL="3200400" algn="l" defTabSz="914400" rtl="0" eaLnBrk="1" latinLnBrk="0" hangingPunct="1">
+    <a:lvl8pPr marL="3199883" algn="l" defTabSz="914252" rtl="0" eaLnBrk="1" latinLnBrk="0" hangingPunct="1">
       <a:defRPr sz="1800" kern="1200">
         <a:solidFill>
           <a:schemeClr val="tx1"/>
@@ -93,7 +93,7 @@
         <a:cs typeface="+mn-cs"/>
       </a:defRPr>
     </a:lvl8pPr>
-    <a:lvl9pPr marL="3657600" algn="l" defTabSz="914400" rtl="0" eaLnBrk="1" latinLnBrk="0" hangingPunct="1">
+    <a:lvl9pPr marL="3657010" algn="l" defTabSz="914252" rtl="0" eaLnBrk="1" latinLnBrk="0" hangingPunct="1">
       <a:defRPr sz="1800" kern="1200">
         <a:solidFill>
           <a:schemeClr val="tx1"/>
@@ -104,6 +104,11 @@
       </a:defRPr>
     </a:lvl9pPr>
   </p:defaultTextStyle>
+  <p:extLst>
+    <p:ext uri="{EFAFB233-063F-42B5-8137-9DF3F51BA10A}">
+      <p15:sldGuideLst xmlns:p15="http://schemas.microsoft.com/office/powerpoint/2012/main"/>
+    </p:ext>
+  </p:extLst>
 </p:presentation>
 </file>
 
@@ -150,7 +155,7 @@
           <a:bodyPr anchor="b"/>
           <a:lstStyle>
             <a:lvl1pPr algn="ctr">
-              <a:defRPr sz="6000"/>
+              <a:defRPr sz="5999"/>
             </a:lvl1pPr>
           </a:lstStyle>
           <a:p>
@@ -190,35 +195,35 @@
               <a:buNone/>
               <a:defRPr sz="2400"/>
             </a:lvl1pPr>
-            <a:lvl2pPr marL="457200" indent="0" algn="ctr">
+            <a:lvl2pPr marL="457163" indent="0" algn="ctr">
               <a:buNone/>
               <a:defRPr sz="2000"/>
             </a:lvl2pPr>
-            <a:lvl3pPr marL="914400" indent="0" algn="ctr">
+            <a:lvl3pPr marL="914326" indent="0" algn="ctr">
               <a:buNone/>
               <a:defRPr sz="1800"/>
             </a:lvl3pPr>
-            <a:lvl4pPr marL="1371600" indent="0" algn="ctr">
+            <a:lvl4pPr marL="1371489" indent="0" algn="ctr">
               <a:buNone/>
               <a:defRPr sz="1600"/>
             </a:lvl4pPr>
-            <a:lvl5pPr marL="1828800" indent="0" algn="ctr">
+            <a:lvl5pPr marL="1828652" indent="0" algn="ctr">
               <a:buNone/>
               <a:defRPr sz="1600"/>
             </a:lvl5pPr>
-            <a:lvl6pPr marL="2286000" indent="0" algn="ctr">
+            <a:lvl6pPr marL="2285815" indent="0" algn="ctr">
               <a:buNone/>
               <a:defRPr sz="1600"/>
             </a:lvl6pPr>
-            <a:lvl7pPr marL="2743200" indent="0" algn="ctr">
+            <a:lvl7pPr marL="2742978" indent="0" algn="ctr">
               <a:buNone/>
               <a:defRPr sz="1600"/>
             </a:lvl7pPr>
-            <a:lvl8pPr marL="3200400" indent="0" algn="ctr">
+            <a:lvl8pPr marL="3200142" indent="0" algn="ctr">
               <a:buNone/>
               <a:defRPr sz="1600"/>
             </a:lvl8pPr>
-            <a:lvl9pPr marL="3657600" indent="0" algn="ctr">
+            <a:lvl9pPr marL="3657305" indent="0" algn="ctr">
               <a:buNone/>
               <a:defRPr sz="1600"/>
             </a:lvl9pPr>
@@ -254,7 +259,7 @@
           <a:p>
             <a:fld id="{FE0266DF-A30D-49B9-923B-8B694B63D8CD}" type="datetimeFigureOut">
               <a:rPr lang="zh-CN" altLang="en-US" smtClean="0"/>
-              <a:t>2022/2/19</a:t>
+              <a:t>2022/2/20</a:t>
             </a:fld>
             <a:endParaRPr lang="zh-CN" altLang="en-US"/>
           </a:p>
@@ -452,7 +457,7 @@
           <a:p>
             <a:fld id="{FE0266DF-A30D-49B9-923B-8B694B63D8CD}" type="datetimeFigureOut">
               <a:rPr lang="zh-CN" altLang="en-US" smtClean="0"/>
-              <a:t>2022/2/19</a:t>
+              <a:t>2022/2/20</a:t>
             </a:fld>
             <a:endParaRPr lang="zh-CN" altLang="en-US"/>
           </a:p>
@@ -660,7 +665,7 @@
           <a:p>
             <a:fld id="{FE0266DF-A30D-49B9-923B-8B694B63D8CD}" type="datetimeFigureOut">
               <a:rPr lang="zh-CN" altLang="en-US" smtClean="0"/>
-              <a:t>2022/2/19</a:t>
+              <a:t>2022/2/20</a:t>
             </a:fld>
             <a:endParaRPr lang="zh-CN" altLang="en-US"/>
           </a:p>
@@ -858,7 +863,7 @@
           <a:p>
             <a:fld id="{FE0266DF-A30D-49B9-923B-8B694B63D8CD}" type="datetimeFigureOut">
               <a:rPr lang="zh-CN" altLang="en-US" smtClean="0"/>
-              <a:t>2022/2/19</a:t>
+              <a:t>2022/2/20</a:t>
             </a:fld>
             <a:endParaRPr lang="zh-CN" altLang="en-US"/>
           </a:p>
@@ -966,7 +971,7 @@
         </p:nvSpPr>
         <p:spPr>
           <a:xfrm>
-            <a:off x="831850" y="1709738"/>
+            <a:off x="831850" y="1709740"/>
             <a:ext cx="10515600" cy="2852737"/>
           </a:xfrm>
         </p:spPr>
@@ -974,7 +979,7 @@
           <a:bodyPr anchor="b"/>
           <a:lstStyle>
             <a:lvl1pPr>
-              <a:defRPr sz="6000"/>
+              <a:defRPr sz="5999"/>
             </a:lvl1pPr>
           </a:lstStyle>
           <a:p>
@@ -1003,7 +1008,7 @@
         </p:nvSpPr>
         <p:spPr>
           <a:xfrm>
-            <a:off x="831850" y="4589463"/>
+            <a:off x="831850" y="4589465"/>
             <a:ext cx="10515600" cy="1500187"/>
           </a:xfrm>
         </p:spPr>
@@ -1020,7 +1025,7 @@
                 </a:solidFill>
               </a:defRPr>
             </a:lvl1pPr>
-            <a:lvl2pPr marL="457200" indent="0">
+            <a:lvl2pPr marL="457163" indent="0">
               <a:buNone/>
               <a:defRPr sz="2000">
                 <a:solidFill>
@@ -1030,7 +1035,7 @@
                 </a:solidFill>
               </a:defRPr>
             </a:lvl2pPr>
-            <a:lvl3pPr marL="914400" indent="0">
+            <a:lvl3pPr marL="914326" indent="0">
               <a:buNone/>
               <a:defRPr sz="1800">
                 <a:solidFill>
@@ -1040,7 +1045,7 @@
                 </a:solidFill>
               </a:defRPr>
             </a:lvl3pPr>
-            <a:lvl4pPr marL="1371600" indent="0">
+            <a:lvl4pPr marL="1371489" indent="0">
               <a:buNone/>
               <a:defRPr sz="1600">
                 <a:solidFill>
@@ -1050,7 +1055,7 @@
                 </a:solidFill>
               </a:defRPr>
             </a:lvl4pPr>
-            <a:lvl5pPr marL="1828800" indent="0">
+            <a:lvl5pPr marL="1828652" indent="0">
               <a:buNone/>
               <a:defRPr sz="1600">
                 <a:solidFill>
@@ -1060,7 +1065,7 @@
                 </a:solidFill>
               </a:defRPr>
             </a:lvl5pPr>
-            <a:lvl6pPr marL="2286000" indent="0">
+            <a:lvl6pPr marL="2285815" indent="0">
               <a:buNone/>
               <a:defRPr sz="1600">
                 <a:solidFill>
@@ -1070,7 +1075,7 @@
                 </a:solidFill>
               </a:defRPr>
             </a:lvl6pPr>
-            <a:lvl7pPr marL="2743200" indent="0">
+            <a:lvl7pPr marL="2742978" indent="0">
               <a:buNone/>
               <a:defRPr sz="1600">
                 <a:solidFill>
@@ -1080,7 +1085,7 @@
                 </a:solidFill>
               </a:defRPr>
             </a:lvl7pPr>
-            <a:lvl8pPr marL="3200400" indent="0">
+            <a:lvl8pPr marL="3200142" indent="0">
               <a:buNone/>
               <a:defRPr sz="1600">
                 <a:solidFill>
@@ -1090,7 +1095,7 @@
                 </a:solidFill>
               </a:defRPr>
             </a:lvl8pPr>
-            <a:lvl9pPr marL="3657600" indent="0">
+            <a:lvl9pPr marL="3657305" indent="0">
               <a:buNone/>
               <a:defRPr sz="1600">
                 <a:solidFill>
@@ -1133,7 +1138,7 @@
           <a:p>
             <a:fld id="{FE0266DF-A30D-49B9-923B-8B694B63D8CD}" type="datetimeFigureOut">
               <a:rPr lang="zh-CN" altLang="en-US" smtClean="0"/>
-              <a:t>2022/2/19</a:t>
+              <a:t>2022/2/20</a:t>
             </a:fld>
             <a:endParaRPr lang="zh-CN" altLang="en-US"/>
           </a:p>
@@ -1398,7 +1403,7 @@
           <a:p>
             <a:fld id="{FE0266DF-A30D-49B9-923B-8B694B63D8CD}" type="datetimeFigureOut">
               <a:rPr lang="zh-CN" altLang="en-US" smtClean="0"/>
-              <a:t>2022/2/19</a:t>
+              <a:t>2022/2/20</a:t>
             </a:fld>
             <a:endParaRPr lang="zh-CN" altLang="en-US"/>
           </a:p>
@@ -1539,7 +1544,7 @@
         </p:nvSpPr>
         <p:spPr>
           <a:xfrm>
-            <a:off x="839788" y="1681163"/>
+            <a:off x="839790" y="1681163"/>
             <a:ext cx="5157787" cy="823912"/>
           </a:xfrm>
         </p:spPr>
@@ -1550,35 +1555,35 @@
               <a:buNone/>
               <a:defRPr sz="2400" b="1"/>
             </a:lvl1pPr>
-            <a:lvl2pPr marL="457200" indent="0">
+            <a:lvl2pPr marL="457163" indent="0">
               <a:buNone/>
               <a:defRPr sz="2000" b="1"/>
             </a:lvl2pPr>
-            <a:lvl3pPr marL="914400" indent="0">
+            <a:lvl3pPr marL="914326" indent="0">
               <a:buNone/>
               <a:defRPr sz="1800" b="1"/>
             </a:lvl3pPr>
-            <a:lvl4pPr marL="1371600" indent="0">
+            <a:lvl4pPr marL="1371489" indent="0">
               <a:buNone/>
               <a:defRPr sz="1600" b="1"/>
             </a:lvl4pPr>
-            <a:lvl5pPr marL="1828800" indent="0">
+            <a:lvl5pPr marL="1828652" indent="0">
               <a:buNone/>
               <a:defRPr sz="1600" b="1"/>
             </a:lvl5pPr>
-            <a:lvl6pPr marL="2286000" indent="0">
+            <a:lvl6pPr marL="2285815" indent="0">
               <a:buNone/>
               <a:defRPr sz="1600" b="1"/>
             </a:lvl6pPr>
-            <a:lvl7pPr marL="2743200" indent="0">
+            <a:lvl7pPr marL="2742978" indent="0">
               <a:buNone/>
               <a:defRPr sz="1600" b="1"/>
             </a:lvl7pPr>
-            <a:lvl8pPr marL="3200400" indent="0">
+            <a:lvl8pPr marL="3200142" indent="0">
               <a:buNone/>
               <a:defRPr sz="1600" b="1"/>
             </a:lvl8pPr>
-            <a:lvl9pPr marL="3657600" indent="0">
+            <a:lvl9pPr marL="3657305" indent="0">
               <a:buNone/>
               <a:defRPr sz="1600" b="1"/>
             </a:lvl9pPr>
@@ -1610,7 +1615,7 @@
         </p:nvSpPr>
         <p:spPr>
           <a:xfrm>
-            <a:off x="839788" y="2505075"/>
+            <a:off x="839790" y="2505075"/>
             <a:ext cx="5157787" cy="3684588"/>
           </a:xfrm>
         </p:spPr>
@@ -1683,35 +1688,35 @@
               <a:buNone/>
               <a:defRPr sz="2400" b="1"/>
             </a:lvl1pPr>
-            <a:lvl2pPr marL="457200" indent="0">
+            <a:lvl2pPr marL="457163" indent="0">
               <a:buNone/>
               <a:defRPr sz="2000" b="1"/>
             </a:lvl2pPr>
-            <a:lvl3pPr marL="914400" indent="0">
+            <a:lvl3pPr marL="914326" indent="0">
               <a:buNone/>
               <a:defRPr sz="1800" b="1"/>
             </a:lvl3pPr>
-            <a:lvl4pPr marL="1371600" indent="0">
+            <a:lvl4pPr marL="1371489" indent="0">
               <a:buNone/>
               <a:defRPr sz="1600" b="1"/>
             </a:lvl4pPr>
-            <a:lvl5pPr marL="1828800" indent="0">
+            <a:lvl5pPr marL="1828652" indent="0">
               <a:buNone/>
               <a:defRPr sz="1600" b="1"/>
             </a:lvl5pPr>
-            <a:lvl6pPr marL="2286000" indent="0">
+            <a:lvl6pPr marL="2285815" indent="0">
               <a:buNone/>
               <a:defRPr sz="1600" b="1"/>
             </a:lvl6pPr>
-            <a:lvl7pPr marL="2743200" indent="0">
+            <a:lvl7pPr marL="2742978" indent="0">
               <a:buNone/>
               <a:defRPr sz="1600" b="1"/>
             </a:lvl7pPr>
-            <a:lvl8pPr marL="3200400" indent="0">
+            <a:lvl8pPr marL="3200142" indent="0">
               <a:buNone/>
               <a:defRPr sz="1600" b="1"/>
             </a:lvl8pPr>
-            <a:lvl9pPr marL="3657600" indent="0">
+            <a:lvl9pPr marL="3657305" indent="0">
               <a:buNone/>
               <a:defRPr sz="1600" b="1"/>
             </a:lvl9pPr>
@@ -1810,7 +1815,7 @@
           <a:p>
             <a:fld id="{FE0266DF-A30D-49B9-923B-8B694B63D8CD}" type="datetimeFigureOut">
               <a:rPr lang="zh-CN" altLang="en-US" smtClean="0"/>
-              <a:t>2022/2/19</a:t>
+              <a:t>2022/2/20</a:t>
             </a:fld>
             <a:endParaRPr lang="zh-CN" altLang="en-US"/>
           </a:p>
@@ -1951,7 +1956,7 @@
           <a:p>
             <a:fld id="{FE0266DF-A30D-49B9-923B-8B694B63D8CD}" type="datetimeFigureOut">
               <a:rPr lang="zh-CN" altLang="en-US" smtClean="0"/>
-              <a:t>2022/2/19</a:t>
+              <a:t>2022/2/20</a:t>
             </a:fld>
             <a:endParaRPr lang="zh-CN" altLang="en-US"/>
           </a:p>
@@ -2064,7 +2069,7 @@
           <a:p>
             <a:fld id="{FE0266DF-A30D-49B9-923B-8B694B63D8CD}" type="datetimeFigureOut">
               <a:rPr lang="zh-CN" altLang="en-US" smtClean="0"/>
-              <a:t>2022/2/19</a:t>
+              <a:t>2022/2/20</a:t>
             </a:fld>
             <a:endParaRPr lang="zh-CN" altLang="en-US"/>
           </a:p>
@@ -2172,7 +2177,7 @@
         </p:nvSpPr>
         <p:spPr>
           <a:xfrm>
-            <a:off x="839788" y="457200"/>
+            <a:off x="839790" y="457200"/>
             <a:ext cx="3932237" cy="1600200"/>
           </a:xfrm>
         </p:spPr>
@@ -2209,7 +2214,7 @@
         </p:nvSpPr>
         <p:spPr>
           <a:xfrm>
-            <a:off x="5183188" y="987425"/>
+            <a:off x="5183188" y="987427"/>
             <a:ext cx="6172200" cy="4873625"/>
           </a:xfrm>
         </p:spPr>
@@ -2299,7 +2304,7 @@
         </p:nvSpPr>
         <p:spPr>
           <a:xfrm>
-            <a:off x="839788" y="2057400"/>
+            <a:off x="839790" y="2057400"/>
             <a:ext cx="3932237" cy="3811588"/>
           </a:xfrm>
         </p:spPr>
@@ -2310,35 +2315,35 @@
               <a:buNone/>
               <a:defRPr sz="1600"/>
             </a:lvl1pPr>
-            <a:lvl2pPr marL="457200" indent="0">
+            <a:lvl2pPr marL="457163" indent="0">
               <a:buNone/>
               <a:defRPr sz="1400"/>
             </a:lvl2pPr>
-            <a:lvl3pPr marL="914400" indent="0">
+            <a:lvl3pPr marL="914326" indent="0">
               <a:buNone/>
               <a:defRPr sz="1200"/>
             </a:lvl3pPr>
-            <a:lvl4pPr marL="1371600" indent="0">
+            <a:lvl4pPr marL="1371489" indent="0">
               <a:buNone/>
               <a:defRPr sz="1000"/>
             </a:lvl4pPr>
-            <a:lvl5pPr marL="1828800" indent="0">
+            <a:lvl5pPr marL="1828652" indent="0">
               <a:buNone/>
               <a:defRPr sz="1000"/>
             </a:lvl5pPr>
-            <a:lvl6pPr marL="2286000" indent="0">
+            <a:lvl6pPr marL="2285815" indent="0">
               <a:buNone/>
               <a:defRPr sz="1000"/>
             </a:lvl6pPr>
-            <a:lvl7pPr marL="2743200" indent="0">
+            <a:lvl7pPr marL="2742978" indent="0">
               <a:buNone/>
               <a:defRPr sz="1000"/>
             </a:lvl7pPr>
-            <a:lvl8pPr marL="3200400" indent="0">
+            <a:lvl8pPr marL="3200142" indent="0">
               <a:buNone/>
               <a:defRPr sz="1000"/>
             </a:lvl8pPr>
-            <a:lvl9pPr marL="3657600" indent="0">
+            <a:lvl9pPr marL="3657305" indent="0">
               <a:buNone/>
               <a:defRPr sz="1000"/>
             </a:lvl9pPr>
@@ -2375,7 +2380,7 @@
           <a:p>
             <a:fld id="{FE0266DF-A30D-49B9-923B-8B694B63D8CD}" type="datetimeFigureOut">
               <a:rPr lang="zh-CN" altLang="en-US" smtClean="0"/>
-              <a:t>2022/2/19</a:t>
+              <a:t>2022/2/20</a:t>
             </a:fld>
             <a:endParaRPr lang="zh-CN" altLang="en-US"/>
           </a:p>
@@ -2483,7 +2488,7 @@
         </p:nvSpPr>
         <p:spPr>
           <a:xfrm>
-            <a:off x="839788" y="457200"/>
+            <a:off x="839790" y="457200"/>
             <a:ext cx="3932237" cy="1600200"/>
           </a:xfrm>
         </p:spPr>
@@ -2520,7 +2525,7 @@
         </p:nvSpPr>
         <p:spPr>
           <a:xfrm>
-            <a:off x="5183188" y="987425"/>
+            <a:off x="5183188" y="987427"/>
             <a:ext cx="6172200" cy="4873625"/>
           </a:xfrm>
         </p:spPr>
@@ -2531,35 +2536,35 @@
               <a:buNone/>
               <a:defRPr sz="3200"/>
             </a:lvl1pPr>
-            <a:lvl2pPr marL="457200" indent="0">
+            <a:lvl2pPr marL="457163" indent="0">
               <a:buNone/>
               <a:defRPr sz="2800"/>
             </a:lvl2pPr>
-            <a:lvl3pPr marL="914400" indent="0">
+            <a:lvl3pPr marL="914326" indent="0">
               <a:buNone/>
               <a:defRPr sz="2400"/>
             </a:lvl3pPr>
-            <a:lvl4pPr marL="1371600" indent="0">
+            <a:lvl4pPr marL="1371489" indent="0">
               <a:buNone/>
               <a:defRPr sz="2000"/>
             </a:lvl4pPr>
-            <a:lvl5pPr marL="1828800" indent="0">
+            <a:lvl5pPr marL="1828652" indent="0">
               <a:buNone/>
               <a:defRPr sz="2000"/>
             </a:lvl5pPr>
-            <a:lvl6pPr marL="2286000" indent="0">
+            <a:lvl6pPr marL="2285815" indent="0">
               <a:buNone/>
               <a:defRPr sz="2000"/>
             </a:lvl6pPr>
-            <a:lvl7pPr marL="2743200" indent="0">
+            <a:lvl7pPr marL="2742978" indent="0">
               <a:buNone/>
               <a:defRPr sz="2000"/>
             </a:lvl7pPr>
-            <a:lvl8pPr marL="3200400" indent="0">
+            <a:lvl8pPr marL="3200142" indent="0">
               <a:buNone/>
               <a:defRPr sz="2000"/>
             </a:lvl8pPr>
-            <a:lvl9pPr marL="3657600" indent="0">
+            <a:lvl9pPr marL="3657305" indent="0">
               <a:buNone/>
               <a:defRPr sz="2000"/>
             </a:lvl9pPr>
@@ -2587,7 +2592,7 @@
         </p:nvSpPr>
         <p:spPr>
           <a:xfrm>
-            <a:off x="839788" y="2057400"/>
+            <a:off x="839790" y="2057400"/>
             <a:ext cx="3932237" cy="3811588"/>
           </a:xfrm>
         </p:spPr>
@@ -2598,35 +2603,35 @@
               <a:buNone/>
               <a:defRPr sz="1600"/>
             </a:lvl1pPr>
-            <a:lvl2pPr marL="457200" indent="0">
+            <a:lvl2pPr marL="457163" indent="0">
               <a:buNone/>
               <a:defRPr sz="1400"/>
             </a:lvl2pPr>
-            <a:lvl3pPr marL="914400" indent="0">
+            <a:lvl3pPr marL="914326" indent="0">
               <a:buNone/>
               <a:defRPr sz="1200"/>
             </a:lvl3pPr>
-            <a:lvl4pPr marL="1371600" indent="0">
+            <a:lvl4pPr marL="1371489" indent="0">
               <a:buNone/>
               <a:defRPr sz="1000"/>
             </a:lvl4pPr>
-            <a:lvl5pPr marL="1828800" indent="0">
+            <a:lvl5pPr marL="1828652" indent="0">
               <a:buNone/>
               <a:defRPr sz="1000"/>
             </a:lvl5pPr>
-            <a:lvl6pPr marL="2286000" indent="0">
+            <a:lvl6pPr marL="2285815" indent="0">
               <a:buNone/>
               <a:defRPr sz="1000"/>
             </a:lvl6pPr>
-            <a:lvl7pPr marL="2743200" indent="0">
+            <a:lvl7pPr marL="2742978" indent="0">
               <a:buNone/>
               <a:defRPr sz="1000"/>
             </a:lvl7pPr>
-            <a:lvl8pPr marL="3200400" indent="0">
+            <a:lvl8pPr marL="3200142" indent="0">
               <a:buNone/>
               <a:defRPr sz="1000"/>
             </a:lvl8pPr>
-            <a:lvl9pPr marL="3657600" indent="0">
+            <a:lvl9pPr marL="3657305" indent="0">
               <a:buNone/>
               <a:defRPr sz="1000"/>
             </a:lvl9pPr>
@@ -2663,7 +2668,7 @@
           <a:p>
             <a:fld id="{FE0266DF-A30D-49B9-923B-8B694B63D8CD}" type="datetimeFigureOut">
               <a:rPr lang="zh-CN" altLang="en-US" smtClean="0"/>
-              <a:t>2022/2/19</a:t>
+              <a:t>2022/2/20</a:t>
             </a:fld>
             <a:endParaRPr lang="zh-CN" altLang="en-US"/>
           </a:p>
@@ -2881,7 +2886,7 @@
         </p:nvSpPr>
         <p:spPr>
           <a:xfrm>
-            <a:off x="838200" y="6356350"/>
+            <a:off x="838200" y="6356352"/>
             <a:ext cx="2743200" cy="365125"/>
           </a:xfrm>
           <a:prstGeom prst="rect">
@@ -2904,7 +2909,7 @@
           <a:p>
             <a:fld id="{FE0266DF-A30D-49B9-923B-8B694B63D8CD}" type="datetimeFigureOut">
               <a:rPr lang="zh-CN" altLang="en-US" smtClean="0"/>
-              <a:t>2022/2/19</a:t>
+              <a:t>2022/2/20</a:t>
             </a:fld>
             <a:endParaRPr lang="zh-CN" altLang="en-US"/>
           </a:p>
@@ -2928,7 +2933,7 @@
         </p:nvSpPr>
         <p:spPr>
           <a:xfrm>
-            <a:off x="4038600" y="6356350"/>
+            <a:off x="4038600" y="6356352"/>
             <a:ext cx="4114800" cy="365125"/>
           </a:xfrm>
           <a:prstGeom prst="rect">
@@ -2971,7 +2976,7 @@
         </p:nvSpPr>
         <p:spPr>
           <a:xfrm>
-            <a:off x="8610600" y="6356350"/>
+            <a:off x="8610600" y="6356352"/>
             <a:ext cx="2743200" cy="365125"/>
           </a:xfrm>
           <a:prstGeom prst="rect">
@@ -3023,7 +3028,7 @@
   </p:sldLayoutIdLst>
   <p:txStyles>
     <p:titleStyle>
-      <a:lvl1pPr algn="l" defTabSz="914400" rtl="0" eaLnBrk="1" latinLnBrk="0" hangingPunct="1">
+      <a:lvl1pPr algn="l" defTabSz="914326" rtl="0" eaLnBrk="1" latinLnBrk="0" hangingPunct="1">
         <a:lnSpc>
           <a:spcPct val="90000"/>
         </a:lnSpc>
@@ -3042,7 +3047,7 @@
       </a:lvl1pPr>
     </p:titleStyle>
     <p:bodyStyle>
-      <a:lvl1pPr marL="228600" indent="-228600" algn="l" defTabSz="914400" rtl="0" eaLnBrk="1" latinLnBrk="0" hangingPunct="1">
+      <a:lvl1pPr marL="228582" indent="-228582" algn="l" defTabSz="914326" rtl="0" eaLnBrk="1" latinLnBrk="0" hangingPunct="1">
         <a:lnSpc>
           <a:spcPct val="90000"/>
         </a:lnSpc>
@@ -3060,7 +3065,7 @@
           <a:cs typeface="+mn-cs"/>
         </a:defRPr>
       </a:lvl1pPr>
-      <a:lvl2pPr marL="685800" indent="-228600" algn="l" defTabSz="914400" rtl="0" eaLnBrk="1" latinLnBrk="0" hangingPunct="1">
+      <a:lvl2pPr marL="685745" indent="-228582" algn="l" defTabSz="914326" rtl="0" eaLnBrk="1" latinLnBrk="0" hangingPunct="1">
         <a:lnSpc>
           <a:spcPct val="90000"/>
         </a:lnSpc>
@@ -3078,7 +3083,7 @@
           <a:cs typeface="+mn-cs"/>
         </a:defRPr>
       </a:lvl2pPr>
-      <a:lvl3pPr marL="1143000" indent="-228600" algn="l" defTabSz="914400" rtl="0" eaLnBrk="1" latinLnBrk="0" hangingPunct="1">
+      <a:lvl3pPr marL="1142908" indent="-228582" algn="l" defTabSz="914326" rtl="0" eaLnBrk="1" latinLnBrk="0" hangingPunct="1">
         <a:lnSpc>
           <a:spcPct val="90000"/>
         </a:lnSpc>
@@ -3096,7 +3101,7 @@
           <a:cs typeface="+mn-cs"/>
         </a:defRPr>
       </a:lvl3pPr>
-      <a:lvl4pPr marL="1600200" indent="-228600" algn="l" defTabSz="914400" rtl="0" eaLnBrk="1" latinLnBrk="0" hangingPunct="1">
+      <a:lvl4pPr marL="1600071" indent="-228582" algn="l" defTabSz="914326" rtl="0" eaLnBrk="1" latinLnBrk="0" hangingPunct="1">
         <a:lnSpc>
           <a:spcPct val="90000"/>
         </a:lnSpc>
@@ -3114,7 +3119,7 @@
           <a:cs typeface="+mn-cs"/>
         </a:defRPr>
       </a:lvl4pPr>
-      <a:lvl5pPr marL="2057400" indent="-228600" algn="l" defTabSz="914400" rtl="0" eaLnBrk="1" latinLnBrk="0" hangingPunct="1">
+      <a:lvl5pPr marL="2057234" indent="-228582" algn="l" defTabSz="914326" rtl="0" eaLnBrk="1" latinLnBrk="0" hangingPunct="1">
         <a:lnSpc>
           <a:spcPct val="90000"/>
         </a:lnSpc>
@@ -3132,7 +3137,7 @@
           <a:cs typeface="+mn-cs"/>
         </a:defRPr>
       </a:lvl5pPr>
-      <a:lvl6pPr marL="2514600" indent="-228600" algn="l" defTabSz="914400" rtl="0" eaLnBrk="1" latinLnBrk="0" hangingPunct="1">
+      <a:lvl6pPr marL="2514397" indent="-228582" algn="l" defTabSz="914326" rtl="0" eaLnBrk="1" latinLnBrk="0" hangingPunct="1">
         <a:lnSpc>
           <a:spcPct val="90000"/>
         </a:lnSpc>
@@ -3150,7 +3155,7 @@
           <a:cs typeface="+mn-cs"/>
         </a:defRPr>
       </a:lvl6pPr>
-      <a:lvl7pPr marL="2971800" indent="-228600" algn="l" defTabSz="914400" rtl="0" eaLnBrk="1" latinLnBrk="0" hangingPunct="1">
+      <a:lvl7pPr marL="2971560" indent="-228582" algn="l" defTabSz="914326" rtl="0" eaLnBrk="1" latinLnBrk="0" hangingPunct="1">
         <a:lnSpc>
           <a:spcPct val="90000"/>
         </a:lnSpc>
@@ -3168,7 +3173,7 @@
           <a:cs typeface="+mn-cs"/>
         </a:defRPr>
       </a:lvl7pPr>
-      <a:lvl8pPr marL="3429000" indent="-228600" algn="l" defTabSz="914400" rtl="0" eaLnBrk="1" latinLnBrk="0" hangingPunct="1">
+      <a:lvl8pPr marL="3428723" indent="-228582" algn="l" defTabSz="914326" rtl="0" eaLnBrk="1" latinLnBrk="0" hangingPunct="1">
         <a:lnSpc>
           <a:spcPct val="90000"/>
         </a:lnSpc>
@@ -3186,7 +3191,7 @@
           <a:cs typeface="+mn-cs"/>
         </a:defRPr>
       </a:lvl8pPr>
-      <a:lvl9pPr marL="3886200" indent="-228600" algn="l" defTabSz="914400" rtl="0" eaLnBrk="1" latinLnBrk="0" hangingPunct="1">
+      <a:lvl9pPr marL="3885886" indent="-228582" algn="l" defTabSz="914326" rtl="0" eaLnBrk="1" latinLnBrk="0" hangingPunct="1">
         <a:lnSpc>
           <a:spcPct val="90000"/>
         </a:lnSpc>
@@ -3209,7 +3214,7 @@
       <a:defPPr>
         <a:defRPr lang="zh-CN"/>
       </a:defPPr>
-      <a:lvl1pPr marL="0" algn="l" defTabSz="914400" rtl="0" eaLnBrk="1" latinLnBrk="0" hangingPunct="1">
+      <a:lvl1pPr marL="0" algn="l" defTabSz="914326" rtl="0" eaLnBrk="1" latinLnBrk="0" hangingPunct="1">
         <a:defRPr sz="1800" kern="1200">
           <a:solidFill>
             <a:schemeClr val="tx1"/>
@@ -3219,7 +3224,7 @@
           <a:cs typeface="+mn-cs"/>
         </a:defRPr>
       </a:lvl1pPr>
-      <a:lvl2pPr marL="457200" algn="l" defTabSz="914400" rtl="0" eaLnBrk="1" latinLnBrk="0" hangingPunct="1">
+      <a:lvl2pPr marL="457163" algn="l" defTabSz="914326" rtl="0" eaLnBrk="1" latinLnBrk="0" hangingPunct="1">
         <a:defRPr sz="1800" kern="1200">
           <a:solidFill>
             <a:schemeClr val="tx1"/>
@@ -3229,7 +3234,7 @@
           <a:cs typeface="+mn-cs"/>
         </a:defRPr>
       </a:lvl2pPr>
-      <a:lvl3pPr marL="914400" algn="l" defTabSz="914400" rtl="0" eaLnBrk="1" latinLnBrk="0" hangingPunct="1">
+      <a:lvl3pPr marL="914326" algn="l" defTabSz="914326" rtl="0" eaLnBrk="1" latinLnBrk="0" hangingPunct="1">
         <a:defRPr sz="1800" kern="1200">
           <a:solidFill>
             <a:schemeClr val="tx1"/>
@@ -3239,7 +3244,7 @@
           <a:cs typeface="+mn-cs"/>
         </a:defRPr>
       </a:lvl3pPr>
-      <a:lvl4pPr marL="1371600" algn="l" defTabSz="914400" rtl="0" eaLnBrk="1" latinLnBrk="0" hangingPunct="1">
+      <a:lvl4pPr marL="1371489" algn="l" defTabSz="914326" rtl="0" eaLnBrk="1" latinLnBrk="0" hangingPunct="1">
         <a:defRPr sz="1800" kern="1200">
           <a:solidFill>
             <a:schemeClr val="tx1"/>
@@ -3249,7 +3254,7 @@
           <a:cs typeface="+mn-cs"/>
         </a:defRPr>
       </a:lvl4pPr>
-      <a:lvl5pPr marL="1828800" algn="l" defTabSz="914400" rtl="0" eaLnBrk="1" latinLnBrk="0" hangingPunct="1">
+      <a:lvl5pPr marL="1828652" algn="l" defTabSz="914326" rtl="0" eaLnBrk="1" latinLnBrk="0" hangingPunct="1">
         <a:defRPr sz="1800" kern="1200">
           <a:solidFill>
             <a:schemeClr val="tx1"/>
@@ -3259,7 +3264,7 @@
           <a:cs typeface="+mn-cs"/>
         </a:defRPr>
       </a:lvl5pPr>
-      <a:lvl6pPr marL="2286000" algn="l" defTabSz="914400" rtl="0" eaLnBrk="1" latinLnBrk="0" hangingPunct="1">
+      <a:lvl6pPr marL="2285815" algn="l" defTabSz="914326" rtl="0" eaLnBrk="1" latinLnBrk="0" hangingPunct="1">
         <a:defRPr sz="1800" kern="1200">
           <a:solidFill>
             <a:schemeClr val="tx1"/>
@@ -3269,7 +3274,7 @@
           <a:cs typeface="+mn-cs"/>
         </a:defRPr>
       </a:lvl6pPr>
-      <a:lvl7pPr marL="2743200" algn="l" defTabSz="914400" rtl="0" eaLnBrk="1" latinLnBrk="0" hangingPunct="1">
+      <a:lvl7pPr marL="2742978" algn="l" defTabSz="914326" rtl="0" eaLnBrk="1" latinLnBrk="0" hangingPunct="1">
         <a:defRPr sz="1800" kern="1200">
           <a:solidFill>
             <a:schemeClr val="tx1"/>
@@ -3279,7 +3284,7 @@
           <a:cs typeface="+mn-cs"/>
         </a:defRPr>
       </a:lvl7pPr>
-      <a:lvl8pPr marL="3200400" algn="l" defTabSz="914400" rtl="0" eaLnBrk="1" latinLnBrk="0" hangingPunct="1">
+      <a:lvl8pPr marL="3200142" algn="l" defTabSz="914326" rtl="0" eaLnBrk="1" latinLnBrk="0" hangingPunct="1">
         <a:defRPr sz="1800" kern="1200">
           <a:solidFill>
             <a:schemeClr val="tx1"/>
@@ -3289,7 +3294,7 @@
           <a:cs typeface="+mn-cs"/>
         </a:defRPr>
       </a:lvl8pPr>
-      <a:lvl9pPr marL="3657600" algn="l" defTabSz="914400" rtl="0" eaLnBrk="1" latinLnBrk="0" hangingPunct="1">
+      <a:lvl9pPr marL="3657305" algn="l" defTabSz="914326" rtl="0" eaLnBrk="1" latinLnBrk="0" hangingPunct="1">
         <a:defRPr sz="1800" kern="1200">
           <a:solidFill>
             <a:schemeClr val="tx1"/>
@@ -3479,7 +3484,7 @@
       </p:sp>
       <p:pic>
         <p:nvPicPr>
-          <p:cNvPr id="10" name="图片 9" descr="图标&#10;&#10;描述已自动生成">
+          <p:cNvPr id="10" name="图片 9">
             <a:extLst>
               <a:ext uri="{FF2B5EF4-FFF2-40B4-BE49-F238E27FC236}">
                 <a16:creationId xmlns:a16="http://schemas.microsoft.com/office/drawing/2014/main" id="{5C13CDFE-37E5-4DD7-9585-BB5787D73A8C}"/>
@@ -3497,15 +3502,17 @@
               <a:ext uri="{28A0092B-C50C-407E-A947-70E740481C1C}">
                 <a14:useLocalDpi xmlns:a14="http://schemas.microsoft.com/office/drawing/2010/main" val="0"/>
               </a:ext>
+              <a:ext uri="{96DAC541-7B7A-43D3-8B79-37D633B846F1}">
+                <asvg:svgBlip xmlns:asvg="http://schemas.microsoft.com/office/drawing/2016/SVG/main" r:embed="rId3"/>
+              </a:ext>
             </a:extLst>
           </a:blip>
-          <a:stretch>
-            <a:fillRect/>
-          </a:stretch>
+          <a:srcRect/>
+          <a:stretch/>
         </p:blipFill>
         <p:spPr>
           <a:xfrm>
-            <a:off x="160779" y="150019"/>
+            <a:off x="160782" y="150022"/>
             <a:ext cx="217937" cy="217937"/>
           </a:xfrm>
           <a:prstGeom prst="roundRect">
@@ -3530,7 +3537,7 @@
           <p:nvPr/>
         </p:nvPicPr>
         <p:blipFill>
-          <a:blip r:embed="rId3">
+          <a:blip r:embed="rId4">
             <a:extLst>
               <a:ext uri="{28A0092B-C50C-407E-A947-70E740481C1C}">
                 <a14:useLocalDpi xmlns:a14="http://schemas.microsoft.com/office/drawing/2010/main" val="0"/>
@@ -3565,7 +3572,7 @@
         </p:nvSpPr>
         <p:spPr>
           <a:xfrm>
-            <a:off x="168140" y="702673"/>
+            <a:off x="168143" y="702676"/>
             <a:ext cx="203215" cy="180001"/>
           </a:xfrm>
           <a:custGeom>
@@ -3899,7 +3906,7 @@
         </p:nvSpPr>
         <p:spPr>
           <a:xfrm>
-            <a:off x="3931920" y="852044"/>
+            <a:off x="3931920" y="852046"/>
             <a:ext cx="1938528" cy="369332"/>
           </a:xfrm>
           <a:prstGeom prst="rect">
@@ -3941,7 +3948,7 @@
       <p:sp>
         <p:nvSpPr>
           <p:cNvPr id="40" name="动作按钮: 空白 39">
-            <a:hlinkClick r:id="rId4" highlightClick="1"/>
+            <a:hlinkClick r:id="rId5" highlightClick="1"/>
             <a:extLst>
               <a:ext uri="{FF2B5EF4-FFF2-40B4-BE49-F238E27FC236}">
                 <a16:creationId xmlns:a16="http://schemas.microsoft.com/office/drawing/2014/main" id="{3108619B-501E-469C-ABEA-422F9A3D3575}"/>
@@ -3953,7 +3960,7 @@
         </p:nvSpPr>
         <p:spPr>
           <a:xfrm>
-            <a:off x="3931919" y="779957"/>
+            <a:off x="3931922" y="779957"/>
             <a:ext cx="1938527" cy="502974"/>
           </a:xfrm>
           <a:prstGeom prst="actionButtonBlank">
@@ -4065,7 +4072,7 @@
         </p:nvSpPr>
         <p:spPr>
           <a:xfrm>
-            <a:off x="6321554" y="852044"/>
+            <a:off x="6321554" y="852046"/>
             <a:ext cx="1938528" cy="369332"/>
           </a:xfrm>
           <a:prstGeom prst="rect">
@@ -4164,7 +4171,7 @@
         </p:nvSpPr>
         <p:spPr>
           <a:xfrm>
-            <a:off x="8711188" y="852044"/>
+            <a:off x="8711188" y="852046"/>
             <a:ext cx="1938528" cy="369332"/>
           </a:xfrm>
           <a:prstGeom prst="rect">
@@ -4203,7 +4210,7 @@
         </p:nvSpPr>
         <p:spPr>
           <a:xfrm>
-            <a:off x="4724400" y="3429000"/>
+            <a:off x="4724400" y="3429001"/>
             <a:ext cx="2743200" cy="646331"/>
           </a:xfrm>
           <a:prstGeom prst="rect">
@@ -4262,7 +4269,7 @@
       <p:sp>
         <p:nvSpPr>
           <p:cNvPr id="42" name="动作按钮: 空白 41">
-            <a:hlinkClick r:id="rId5" highlightClick="1"/>
+            <a:hlinkClick r:id="rId6" highlightClick="1"/>
             <a:extLst>
               <a:ext uri="{FF2B5EF4-FFF2-40B4-BE49-F238E27FC236}">
                 <a16:creationId xmlns:a16="http://schemas.microsoft.com/office/drawing/2014/main" id="{2B34DAB8-6162-487A-BF87-6690B50AA6CA}"/>
@@ -4274,7 +4281,7 @@
         </p:nvSpPr>
         <p:spPr>
           <a:xfrm>
-            <a:off x="6321552" y="767653"/>
+            <a:off x="6321555" y="767653"/>
             <a:ext cx="1938527" cy="502974"/>
           </a:xfrm>
           <a:prstGeom prst="actionButtonBlank">
@@ -4320,7 +4327,7 @@
       <p:sp>
         <p:nvSpPr>
           <p:cNvPr id="44" name="动作按钮: 空白 43">
-            <a:hlinkClick r:id="rId6" highlightClick="1"/>
+            <a:hlinkClick r:id="rId7" highlightClick="1"/>
             <a:extLst>
               <a:ext uri="{FF2B5EF4-FFF2-40B4-BE49-F238E27FC236}">
                 <a16:creationId xmlns:a16="http://schemas.microsoft.com/office/drawing/2014/main" id="{46A75D9E-0E2F-4EBA-9D26-B7655331780E}"/>
@@ -4332,7 +4339,7 @@
         </p:nvSpPr>
         <p:spPr>
           <a:xfrm>
-            <a:off x="8711189" y="764935"/>
+            <a:off x="8711192" y="764935"/>
             <a:ext cx="1938527" cy="502974"/>
           </a:xfrm>
           <a:prstGeom prst="actionButtonBlank">
@@ -4378,7 +4385,7 @@
       <p:sp>
         <p:nvSpPr>
           <p:cNvPr id="46" name="动作按钮: 空白 45">
-            <a:hlinkClick r:id="rId7" highlightClick="1"/>
+            <a:hlinkClick r:id="rId8" highlightClick="1"/>
             <a:extLst>
               <a:ext uri="{FF2B5EF4-FFF2-40B4-BE49-F238E27FC236}">
                 <a16:creationId xmlns:a16="http://schemas.microsoft.com/office/drawing/2014/main" id="{EC4C9B14-01A6-4D09-9E24-32B0EE57AB0C}"/>
@@ -4390,7 +4397,7 @@
         </p:nvSpPr>
         <p:spPr>
           <a:xfrm>
-            <a:off x="160779" y="693149"/>
+            <a:off x="160782" y="693152"/>
             <a:ext cx="217937" cy="217937"/>
           </a:xfrm>
           <a:prstGeom prst="actionButtonBlank">
@@ -4436,7 +4443,7 @@
       <p:sp>
         <p:nvSpPr>
           <p:cNvPr id="48" name="动作按钮: 空白 47">
-            <a:hlinkClick r:id="rId8" highlightClick="1"/>
+            <a:hlinkClick r:id="rId9" highlightClick="1"/>
             <a:extLst>
               <a:ext uri="{FF2B5EF4-FFF2-40B4-BE49-F238E27FC236}">
                 <a16:creationId xmlns:a16="http://schemas.microsoft.com/office/drawing/2014/main" id="{66F7C6D2-9F84-4B17-B802-B8C9BE7FB1D3}"/>
@@ -4448,7 +4455,7 @@
         </p:nvSpPr>
         <p:spPr>
           <a:xfrm>
-            <a:off x="158496" y="1173963"/>
+            <a:off x="158499" y="1173966"/>
             <a:ext cx="217937" cy="217937"/>
           </a:xfrm>
           <a:prstGeom prst="actionButtonBlank">

--- a/index.pptx
+++ b/index.pptx
@@ -259,7 +259,7 @@
           <a:p>
             <a:fld id="{FE0266DF-A30D-49B9-923B-8B694B63D8CD}" type="datetimeFigureOut">
               <a:rPr lang="zh-CN" altLang="en-US" smtClean="0"/>
-              <a:t>2022/2/20</a:t>
+              <a:t>2022/2/27</a:t>
             </a:fld>
             <a:endParaRPr lang="zh-CN" altLang="en-US"/>
           </a:p>
@@ -457,7 +457,7 @@
           <a:p>
             <a:fld id="{FE0266DF-A30D-49B9-923B-8B694B63D8CD}" type="datetimeFigureOut">
               <a:rPr lang="zh-CN" altLang="en-US" smtClean="0"/>
-              <a:t>2022/2/20</a:t>
+              <a:t>2022/2/27</a:t>
             </a:fld>
             <a:endParaRPr lang="zh-CN" altLang="en-US"/>
           </a:p>
@@ -665,7 +665,7 @@
           <a:p>
             <a:fld id="{FE0266DF-A30D-49B9-923B-8B694B63D8CD}" type="datetimeFigureOut">
               <a:rPr lang="zh-CN" altLang="en-US" smtClean="0"/>
-              <a:t>2022/2/20</a:t>
+              <a:t>2022/2/27</a:t>
             </a:fld>
             <a:endParaRPr lang="zh-CN" altLang="en-US"/>
           </a:p>
@@ -863,7 +863,7 @@
           <a:p>
             <a:fld id="{FE0266DF-A30D-49B9-923B-8B694B63D8CD}" type="datetimeFigureOut">
               <a:rPr lang="zh-CN" altLang="en-US" smtClean="0"/>
-              <a:t>2022/2/20</a:t>
+              <a:t>2022/2/27</a:t>
             </a:fld>
             <a:endParaRPr lang="zh-CN" altLang="en-US"/>
           </a:p>
@@ -1138,7 +1138,7 @@
           <a:p>
             <a:fld id="{FE0266DF-A30D-49B9-923B-8B694B63D8CD}" type="datetimeFigureOut">
               <a:rPr lang="zh-CN" altLang="en-US" smtClean="0"/>
-              <a:t>2022/2/20</a:t>
+              <a:t>2022/2/27</a:t>
             </a:fld>
             <a:endParaRPr lang="zh-CN" altLang="en-US"/>
           </a:p>
@@ -1403,7 +1403,7 @@
           <a:p>
             <a:fld id="{FE0266DF-A30D-49B9-923B-8B694B63D8CD}" type="datetimeFigureOut">
               <a:rPr lang="zh-CN" altLang="en-US" smtClean="0"/>
-              <a:t>2022/2/20</a:t>
+              <a:t>2022/2/27</a:t>
             </a:fld>
             <a:endParaRPr lang="zh-CN" altLang="en-US"/>
           </a:p>
@@ -1815,7 +1815,7 @@
           <a:p>
             <a:fld id="{FE0266DF-A30D-49B9-923B-8B694B63D8CD}" type="datetimeFigureOut">
               <a:rPr lang="zh-CN" altLang="en-US" smtClean="0"/>
-              <a:t>2022/2/20</a:t>
+              <a:t>2022/2/27</a:t>
             </a:fld>
             <a:endParaRPr lang="zh-CN" altLang="en-US"/>
           </a:p>
@@ -1956,7 +1956,7 @@
           <a:p>
             <a:fld id="{FE0266DF-A30D-49B9-923B-8B694B63D8CD}" type="datetimeFigureOut">
               <a:rPr lang="zh-CN" altLang="en-US" smtClean="0"/>
-              <a:t>2022/2/20</a:t>
+              <a:t>2022/2/27</a:t>
             </a:fld>
             <a:endParaRPr lang="zh-CN" altLang="en-US"/>
           </a:p>
@@ -2069,7 +2069,7 @@
           <a:p>
             <a:fld id="{FE0266DF-A30D-49B9-923B-8B694B63D8CD}" type="datetimeFigureOut">
               <a:rPr lang="zh-CN" altLang="en-US" smtClean="0"/>
-              <a:t>2022/2/20</a:t>
+              <a:t>2022/2/27</a:t>
             </a:fld>
             <a:endParaRPr lang="zh-CN" altLang="en-US"/>
           </a:p>
@@ -2380,7 +2380,7 @@
           <a:p>
             <a:fld id="{FE0266DF-A30D-49B9-923B-8B694B63D8CD}" type="datetimeFigureOut">
               <a:rPr lang="zh-CN" altLang="en-US" smtClean="0"/>
-              <a:t>2022/2/20</a:t>
+              <a:t>2022/2/27</a:t>
             </a:fld>
             <a:endParaRPr lang="zh-CN" altLang="en-US"/>
           </a:p>
@@ -2668,7 +2668,7 @@
           <a:p>
             <a:fld id="{FE0266DF-A30D-49B9-923B-8B694B63D8CD}" type="datetimeFigureOut">
               <a:rPr lang="zh-CN" altLang="en-US" smtClean="0"/>
-              <a:t>2022/2/20</a:t>
+              <a:t>2022/2/27</a:t>
             </a:fld>
             <a:endParaRPr lang="zh-CN" altLang="en-US"/>
           </a:p>
@@ -2909,7 +2909,7 @@
           <a:p>
             <a:fld id="{FE0266DF-A30D-49B9-923B-8B694B63D8CD}" type="datetimeFigureOut">
               <a:rPr lang="zh-CN" altLang="en-US" smtClean="0"/>
-              <a:t>2022/2/20</a:t>
+              <a:t>2022/2/27</a:t>
             </a:fld>
             <a:endParaRPr lang="zh-CN" altLang="en-US"/>
           </a:p>
@@ -3340,7 +3340,7 @@
         </p:nvSpPr>
         <p:spPr>
           <a:xfrm>
-            <a:off x="1216152" y="759711"/>
+            <a:off x="4107180" y="759711"/>
             <a:ext cx="3977640" cy="523220"/>
           </a:xfrm>
           <a:prstGeom prst="rect">
@@ -3354,6 +3354,7 @@
           </a:bodyPr>
           <a:lstStyle/>
           <a:p>
+            <a:pPr algn="ctr"/>
             <a:r>
               <a:rPr lang="en-US" altLang="zh-CN" sz="2800" b="1" dirty="0">
                 <a:latin typeface="微软雅黑" panose="020B0503020204020204" pitchFamily="34" charset="-122"/>
@@ -3362,63 +3363,6 @@
               <a:t>EG STUDIO</a:t>
             </a:r>
             <a:endParaRPr lang="zh-CN" altLang="en-US" sz="2800" b="1" dirty="0">
-              <a:latin typeface="微软雅黑" panose="020B0503020204020204" pitchFamily="34" charset="-122"/>
-              <a:ea typeface="微软雅黑" panose="020B0503020204020204" pitchFamily="34" charset="-122"/>
-            </a:endParaRPr>
-          </a:p>
-        </p:txBody>
-      </p:sp>
-      <p:sp>
-        <p:nvSpPr>
-          <p:cNvPr id="5" name="矩形 4">
-            <a:extLst>
-              <a:ext uri="{FF2B5EF4-FFF2-40B4-BE49-F238E27FC236}">
-                <a16:creationId xmlns:a16="http://schemas.microsoft.com/office/drawing/2014/main" id="{517A0883-6252-4C83-A296-575434C76FA9}"/>
-              </a:ext>
-            </a:extLst>
-          </p:cNvPr>
-          <p:cNvSpPr/>
-          <p:nvPr/>
-        </p:nvSpPr>
-        <p:spPr>
-          <a:xfrm>
-            <a:off x="0" y="0"/>
-            <a:ext cx="539496" cy="6858000"/>
-          </a:xfrm>
-          <a:prstGeom prst="rect">
-            <a:avLst/>
-          </a:prstGeom>
-          <a:solidFill>
-            <a:schemeClr val="bg1">
-              <a:lumMod val="95000"/>
-            </a:schemeClr>
-          </a:solidFill>
-          <a:ln>
-            <a:noFill/>
-          </a:ln>
-        </p:spPr>
-        <p:style>
-          <a:lnRef idx="2">
-            <a:schemeClr val="accent1">
-              <a:shade val="50000"/>
-            </a:schemeClr>
-          </a:lnRef>
-          <a:fillRef idx="1">
-            <a:schemeClr val="accent1"/>
-          </a:fillRef>
-          <a:effectRef idx="0">
-            <a:schemeClr val="accent1"/>
-          </a:effectRef>
-          <a:fontRef idx="minor">
-            <a:schemeClr val="lt1"/>
-          </a:fontRef>
-        </p:style>
-        <p:txBody>
-          <a:bodyPr rtlCol="0" anchor="ctr"/>
-          <a:lstStyle/>
-          <a:p>
-            <a:pPr algn="ctr"/>
-            <a:endParaRPr lang="zh-CN" altLang="en-US">
               <a:latin typeface="微软雅黑" panose="020B0503020204020204" pitchFamily="34" charset="-122"/>
               <a:ea typeface="微软雅黑" panose="020B0503020204020204" pitchFamily="34" charset="-122"/>
             </a:endParaRPr>
@@ -3837,555 +3781,8 @@
       </p:sp>
       <p:sp>
         <p:nvSpPr>
-          <p:cNvPr id="23" name="矩形: 圆角 22">
-            <a:extLst>
-              <a:ext uri="{FF2B5EF4-FFF2-40B4-BE49-F238E27FC236}">
-                <a16:creationId xmlns:a16="http://schemas.microsoft.com/office/drawing/2014/main" id="{AB633DE2-32B9-41E6-9DAC-6D4C9599ECB2}"/>
-              </a:ext>
-            </a:extLst>
-          </p:cNvPr>
-          <p:cNvSpPr/>
-          <p:nvPr/>
-        </p:nvSpPr>
-        <p:spPr>
-          <a:xfrm>
-            <a:off x="3931920" y="759711"/>
-            <a:ext cx="1938528" cy="523220"/>
-          </a:xfrm>
-          <a:prstGeom prst="roundRect">
-            <a:avLst/>
-          </a:prstGeom>
-          <a:solidFill>
-            <a:schemeClr val="bg1">
-              <a:lumMod val="95000"/>
-            </a:schemeClr>
-          </a:solidFill>
-          <a:ln>
-            <a:noFill/>
-          </a:ln>
-        </p:spPr>
-        <p:style>
-          <a:lnRef idx="2">
-            <a:schemeClr val="accent1">
-              <a:shade val="50000"/>
-            </a:schemeClr>
-          </a:lnRef>
-          <a:fillRef idx="1">
-            <a:schemeClr val="accent1"/>
-          </a:fillRef>
-          <a:effectRef idx="0">
-            <a:schemeClr val="accent1"/>
-          </a:effectRef>
-          <a:fontRef idx="minor">
-            <a:schemeClr val="lt1"/>
-          </a:fontRef>
-        </p:style>
-        <p:txBody>
-          <a:bodyPr rtlCol="0" anchor="ctr"/>
-          <a:lstStyle/>
-          <a:p>
-            <a:pPr algn="ctr"/>
-            <a:endParaRPr lang="zh-CN" altLang="en-US">
-              <a:latin typeface="微软雅黑" panose="020B0503020204020204" pitchFamily="34" charset="-122"/>
-              <a:ea typeface="微软雅黑" panose="020B0503020204020204" pitchFamily="34" charset="-122"/>
-            </a:endParaRPr>
-          </a:p>
-        </p:txBody>
-      </p:sp>
-      <p:sp>
-        <p:nvSpPr>
-          <p:cNvPr id="20" name="文本框 19">
-            <a:extLst>
-              <a:ext uri="{FF2B5EF4-FFF2-40B4-BE49-F238E27FC236}">
-                <a16:creationId xmlns:a16="http://schemas.microsoft.com/office/drawing/2014/main" id="{4CDF3F16-307E-4F2E-9CCA-055A5C079D00}"/>
-              </a:ext>
-            </a:extLst>
-          </p:cNvPr>
-          <p:cNvSpPr txBox="1"/>
-          <p:nvPr/>
-        </p:nvSpPr>
-        <p:spPr>
-          <a:xfrm>
-            <a:off x="3931920" y="852046"/>
-            <a:ext cx="1938528" cy="369332"/>
-          </a:xfrm>
-          <a:prstGeom prst="rect">
-            <a:avLst/>
-          </a:prstGeom>
-          <a:noFill/>
-        </p:spPr>
-        <p:txBody>
-          <a:bodyPr wrap="square" rtlCol="0">
-            <a:spAutoFit/>
-          </a:bodyPr>
-          <a:lstStyle/>
-          <a:p>
-            <a:pPr algn="ctr"/>
-            <a:r>
-              <a:rPr lang="en-US" altLang="zh-CN" dirty="0" err="1">
-                <a:latin typeface="微软雅黑" panose="020B0503020204020204" pitchFamily="34" charset="-122"/>
-                <a:ea typeface="微软雅黑" panose="020B0503020204020204" pitchFamily="34" charset="-122"/>
-              </a:rPr>
-              <a:t>Bilibili</a:t>
-            </a:r>
-            <a:r>
-              <a:rPr lang="en-US" altLang="zh-CN" dirty="0">
-                <a:latin typeface="微软雅黑" panose="020B0503020204020204" pitchFamily="34" charset="-122"/>
-                <a:ea typeface="微软雅黑" panose="020B0503020204020204" pitchFamily="34" charset="-122"/>
-              </a:rPr>
-              <a:t> </a:t>
-            </a:r>
-            <a:r>
-              <a:rPr lang="zh-CN" altLang="en-US" dirty="0">
-                <a:latin typeface="微软雅黑" panose="020B0503020204020204" pitchFamily="34" charset="-122"/>
-                <a:ea typeface="微软雅黑" panose="020B0503020204020204" pitchFamily="34" charset="-122"/>
-              </a:rPr>
-              <a:t>主页</a:t>
-            </a:r>
-          </a:p>
-        </p:txBody>
-      </p:sp>
-      <p:sp>
-        <p:nvSpPr>
-          <p:cNvPr id="40" name="动作按钮: 空白 39">
+          <p:cNvPr id="46" name="动作按钮: 空白 45">
             <a:hlinkClick r:id="rId5" highlightClick="1"/>
-            <a:extLst>
-              <a:ext uri="{FF2B5EF4-FFF2-40B4-BE49-F238E27FC236}">
-                <a16:creationId xmlns:a16="http://schemas.microsoft.com/office/drawing/2014/main" id="{3108619B-501E-469C-ABEA-422F9A3D3575}"/>
-              </a:ext>
-            </a:extLst>
-          </p:cNvPr>
-          <p:cNvSpPr/>
-          <p:nvPr/>
-        </p:nvSpPr>
-        <p:spPr>
-          <a:xfrm>
-            <a:off x="3931922" y="779957"/>
-            <a:ext cx="1938527" cy="502974"/>
-          </a:xfrm>
-          <a:prstGeom prst="actionButtonBlank">
-            <a:avLst/>
-          </a:prstGeom>
-          <a:solidFill>
-            <a:schemeClr val="bg1">
-              <a:alpha val="10000"/>
-            </a:schemeClr>
-          </a:solidFill>
-          <a:ln>
-            <a:noFill/>
-          </a:ln>
-        </p:spPr>
-        <p:style>
-          <a:lnRef idx="2">
-            <a:schemeClr val="accent1">
-              <a:shade val="50000"/>
-            </a:schemeClr>
-          </a:lnRef>
-          <a:fillRef idx="1">
-            <a:schemeClr val="accent1"/>
-          </a:fillRef>
-          <a:effectRef idx="0">
-            <a:schemeClr val="accent1"/>
-          </a:effectRef>
-          <a:fontRef idx="minor">
-            <a:schemeClr val="lt1"/>
-          </a:fontRef>
-        </p:style>
-        <p:txBody>
-          <a:bodyPr rtlCol="0" anchor="ctr"/>
-          <a:lstStyle/>
-          <a:p>
-            <a:pPr algn="ctr"/>
-            <a:endParaRPr lang="zh-CN" altLang="en-US">
-              <a:latin typeface="微软雅黑" panose="020B0503020204020204" pitchFamily="34" charset="-122"/>
-              <a:ea typeface="微软雅黑" panose="020B0503020204020204" pitchFamily="34" charset="-122"/>
-            </a:endParaRPr>
-          </a:p>
-        </p:txBody>
-      </p:sp>
-      <p:sp>
-        <p:nvSpPr>
-          <p:cNvPr id="25" name="矩形: 圆角 24">
-            <a:extLst>
-              <a:ext uri="{FF2B5EF4-FFF2-40B4-BE49-F238E27FC236}">
-                <a16:creationId xmlns:a16="http://schemas.microsoft.com/office/drawing/2014/main" id="{0C485C8B-12F3-4BF9-9254-6B8FDA6A3722}"/>
-              </a:ext>
-            </a:extLst>
-          </p:cNvPr>
-          <p:cNvSpPr/>
-          <p:nvPr/>
-        </p:nvSpPr>
-        <p:spPr>
-          <a:xfrm>
-            <a:off x="6321554" y="759711"/>
-            <a:ext cx="1938528" cy="523220"/>
-          </a:xfrm>
-          <a:prstGeom prst="roundRect">
-            <a:avLst/>
-          </a:prstGeom>
-          <a:solidFill>
-            <a:srgbClr val="00B0F0"/>
-          </a:solidFill>
-          <a:ln>
-            <a:noFill/>
-          </a:ln>
-        </p:spPr>
-        <p:style>
-          <a:lnRef idx="2">
-            <a:schemeClr val="accent1">
-              <a:shade val="50000"/>
-            </a:schemeClr>
-          </a:lnRef>
-          <a:fillRef idx="1">
-            <a:schemeClr val="accent1"/>
-          </a:fillRef>
-          <a:effectRef idx="0">
-            <a:schemeClr val="accent1"/>
-          </a:effectRef>
-          <a:fontRef idx="minor">
-            <a:schemeClr val="lt1"/>
-          </a:fontRef>
-        </p:style>
-        <p:txBody>
-          <a:bodyPr rtlCol="0" anchor="ctr"/>
-          <a:lstStyle/>
-          <a:p>
-            <a:pPr algn="ctr"/>
-            <a:endParaRPr lang="zh-CN" altLang="en-US">
-              <a:latin typeface="微软雅黑" panose="020B0503020204020204" pitchFamily="34" charset="-122"/>
-              <a:ea typeface="微软雅黑" panose="020B0503020204020204" pitchFamily="34" charset="-122"/>
-            </a:endParaRPr>
-          </a:p>
-        </p:txBody>
-      </p:sp>
-      <p:sp>
-        <p:nvSpPr>
-          <p:cNvPr id="27" name="文本框 26">
-            <a:extLst>
-              <a:ext uri="{FF2B5EF4-FFF2-40B4-BE49-F238E27FC236}">
-                <a16:creationId xmlns:a16="http://schemas.microsoft.com/office/drawing/2014/main" id="{C63B093D-8938-4547-890B-C7552102CE40}"/>
-              </a:ext>
-            </a:extLst>
-          </p:cNvPr>
-          <p:cNvSpPr txBox="1"/>
-          <p:nvPr/>
-        </p:nvSpPr>
-        <p:spPr>
-          <a:xfrm>
-            <a:off x="6321554" y="852046"/>
-            <a:ext cx="1938528" cy="369332"/>
-          </a:xfrm>
-          <a:prstGeom prst="rect">
-            <a:avLst/>
-          </a:prstGeom>
-          <a:noFill/>
-        </p:spPr>
-        <p:txBody>
-          <a:bodyPr wrap="square" rtlCol="0">
-            <a:spAutoFit/>
-          </a:bodyPr>
-          <a:lstStyle/>
-          <a:p>
-            <a:pPr algn="ctr"/>
-            <a:r>
-              <a:rPr lang="zh-CN" altLang="en-US" dirty="0">
-                <a:solidFill>
-                  <a:schemeClr val="bg1"/>
-                </a:solidFill>
-                <a:latin typeface="微软雅黑" panose="020B0503020204020204" pitchFamily="34" charset="-122"/>
-                <a:ea typeface="微软雅黑" panose="020B0503020204020204" pitchFamily="34" charset="-122"/>
-              </a:rPr>
-              <a:t>反馈中心</a:t>
-            </a:r>
-          </a:p>
-        </p:txBody>
-      </p:sp>
-      <p:sp>
-        <p:nvSpPr>
-          <p:cNvPr id="33" name="矩形: 圆角 32">
-            <a:extLst>
-              <a:ext uri="{FF2B5EF4-FFF2-40B4-BE49-F238E27FC236}">
-                <a16:creationId xmlns:a16="http://schemas.microsoft.com/office/drawing/2014/main" id="{7C25BF46-4DF3-4DA6-87E1-D9A00D681C14}"/>
-              </a:ext>
-            </a:extLst>
-          </p:cNvPr>
-          <p:cNvSpPr/>
-          <p:nvPr/>
-        </p:nvSpPr>
-        <p:spPr>
-          <a:xfrm>
-            <a:off x="8711188" y="759711"/>
-            <a:ext cx="1938528" cy="523220"/>
-          </a:xfrm>
-          <a:prstGeom prst="roundRect">
-            <a:avLst/>
-          </a:prstGeom>
-          <a:solidFill>
-            <a:schemeClr val="bg1">
-              <a:lumMod val="95000"/>
-            </a:schemeClr>
-          </a:solidFill>
-          <a:ln>
-            <a:noFill/>
-          </a:ln>
-        </p:spPr>
-        <p:style>
-          <a:lnRef idx="2">
-            <a:schemeClr val="accent1">
-              <a:shade val="50000"/>
-            </a:schemeClr>
-          </a:lnRef>
-          <a:fillRef idx="1">
-            <a:schemeClr val="accent1"/>
-          </a:fillRef>
-          <a:effectRef idx="0">
-            <a:schemeClr val="accent1"/>
-          </a:effectRef>
-          <a:fontRef idx="minor">
-            <a:schemeClr val="lt1"/>
-          </a:fontRef>
-        </p:style>
-        <p:txBody>
-          <a:bodyPr rtlCol="0" anchor="ctr"/>
-          <a:lstStyle/>
-          <a:p>
-            <a:pPr algn="ctr"/>
-            <a:endParaRPr lang="zh-CN" altLang="en-US">
-              <a:latin typeface="微软雅黑" panose="020B0503020204020204" pitchFamily="34" charset="-122"/>
-              <a:ea typeface="微软雅黑" panose="020B0503020204020204" pitchFamily="34" charset="-122"/>
-            </a:endParaRPr>
-          </a:p>
-        </p:txBody>
-      </p:sp>
-      <p:sp>
-        <p:nvSpPr>
-          <p:cNvPr id="35" name="文本框 34">
-            <a:extLst>
-              <a:ext uri="{FF2B5EF4-FFF2-40B4-BE49-F238E27FC236}">
-                <a16:creationId xmlns:a16="http://schemas.microsoft.com/office/drawing/2014/main" id="{63024100-2E4B-4C31-A157-B81A5F79CE5D}"/>
-              </a:ext>
-            </a:extLst>
-          </p:cNvPr>
-          <p:cNvSpPr txBox="1"/>
-          <p:nvPr/>
-        </p:nvSpPr>
-        <p:spPr>
-          <a:xfrm>
-            <a:off x="8711188" y="852046"/>
-            <a:ext cx="1938528" cy="369332"/>
-          </a:xfrm>
-          <a:prstGeom prst="rect">
-            <a:avLst/>
-          </a:prstGeom>
-          <a:noFill/>
-        </p:spPr>
-        <p:txBody>
-          <a:bodyPr wrap="square" rtlCol="0">
-            <a:spAutoFit/>
-          </a:bodyPr>
-          <a:lstStyle/>
-          <a:p>
-            <a:pPr algn="ctr"/>
-            <a:r>
-              <a:rPr lang="zh-CN" altLang="en-US" dirty="0">
-                <a:latin typeface="微软雅黑" panose="020B0503020204020204" pitchFamily="34" charset="-122"/>
-                <a:ea typeface="微软雅黑" panose="020B0503020204020204" pitchFamily="34" charset="-122"/>
-              </a:rPr>
-              <a:t>加入团队</a:t>
-            </a:r>
-          </a:p>
-        </p:txBody>
-      </p:sp>
-      <p:sp>
-        <p:nvSpPr>
-          <p:cNvPr id="39" name="文本框 38">
-            <a:extLst>
-              <a:ext uri="{FF2B5EF4-FFF2-40B4-BE49-F238E27FC236}">
-                <a16:creationId xmlns:a16="http://schemas.microsoft.com/office/drawing/2014/main" id="{DC8E6D69-B3F6-4170-A539-40EC4D76E829}"/>
-              </a:ext>
-            </a:extLst>
-          </p:cNvPr>
-          <p:cNvSpPr txBox="1"/>
-          <p:nvPr/>
-        </p:nvSpPr>
-        <p:spPr>
-          <a:xfrm>
-            <a:off x="4724400" y="3429001"/>
-            <a:ext cx="2743200" cy="646331"/>
-          </a:xfrm>
-          <a:prstGeom prst="rect">
-            <a:avLst/>
-          </a:prstGeom>
-          <a:noFill/>
-        </p:spPr>
-        <p:txBody>
-          <a:bodyPr wrap="square" rtlCol="0">
-            <a:spAutoFit/>
-          </a:bodyPr>
-          <a:lstStyle/>
-          <a:p>
-            <a:pPr algn="ctr"/>
-            <a:r>
-              <a:rPr lang="zh-CN" altLang="en-US" dirty="0">
-                <a:latin typeface="微软雅黑" panose="020B0503020204020204" pitchFamily="34" charset="-122"/>
-                <a:ea typeface="微软雅黑" panose="020B0503020204020204" pitchFamily="34" charset="-122"/>
-              </a:rPr>
-              <a:t>蓝奏云密码：</a:t>
-            </a:r>
-            <a:r>
-              <a:rPr lang="en-US" altLang="zh-CN" dirty="0">
-                <a:latin typeface="微软雅黑" panose="020B0503020204020204" pitchFamily="34" charset="-122"/>
-                <a:ea typeface="微软雅黑" panose="020B0503020204020204" pitchFamily="34" charset="-122"/>
-              </a:rPr>
-              <a:t>MSEDGE</a:t>
-            </a:r>
-          </a:p>
-          <a:p>
-            <a:pPr algn="ctr"/>
-            <a:r>
-              <a:rPr lang="en-US" altLang="zh-CN" dirty="0">
-                <a:latin typeface="微软雅黑" panose="020B0503020204020204" pitchFamily="34" charset="-122"/>
-                <a:ea typeface="微软雅黑" panose="020B0503020204020204" pitchFamily="34" charset="-122"/>
-              </a:rPr>
-              <a:t>EG</a:t>
-            </a:r>
-            <a:r>
-              <a:rPr lang="zh-CN" altLang="en-US" dirty="0">
-                <a:latin typeface="微软雅黑" panose="020B0503020204020204" pitchFamily="34" charset="-122"/>
-                <a:ea typeface="微软雅黑" panose="020B0503020204020204" pitchFamily="34" charset="-122"/>
-              </a:rPr>
-              <a:t>正在努力建设页面</a:t>
-            </a:r>
-            <a:r>
-              <a:rPr lang="en-US" altLang="zh-CN" dirty="0">
-                <a:latin typeface="微软雅黑" panose="020B0503020204020204" pitchFamily="34" charset="-122"/>
-                <a:ea typeface="微软雅黑" panose="020B0503020204020204" pitchFamily="34" charset="-122"/>
-              </a:rPr>
-              <a:t>…</a:t>
-            </a:r>
-          </a:p>
-        </p:txBody>
-      </p:sp>
-      <p:sp>
-        <p:nvSpPr>
-          <p:cNvPr id="42" name="动作按钮: 空白 41">
-            <a:hlinkClick r:id="rId6" highlightClick="1"/>
-            <a:extLst>
-              <a:ext uri="{FF2B5EF4-FFF2-40B4-BE49-F238E27FC236}">
-                <a16:creationId xmlns:a16="http://schemas.microsoft.com/office/drawing/2014/main" id="{2B34DAB8-6162-487A-BF87-6690B50AA6CA}"/>
-              </a:ext>
-            </a:extLst>
-          </p:cNvPr>
-          <p:cNvSpPr/>
-          <p:nvPr/>
-        </p:nvSpPr>
-        <p:spPr>
-          <a:xfrm>
-            <a:off x="6321555" y="767653"/>
-            <a:ext cx="1938527" cy="502974"/>
-          </a:xfrm>
-          <a:prstGeom prst="actionButtonBlank">
-            <a:avLst/>
-          </a:prstGeom>
-          <a:solidFill>
-            <a:schemeClr val="bg1">
-              <a:alpha val="10000"/>
-            </a:schemeClr>
-          </a:solidFill>
-          <a:ln>
-            <a:noFill/>
-          </a:ln>
-        </p:spPr>
-        <p:style>
-          <a:lnRef idx="2">
-            <a:schemeClr val="accent1">
-              <a:shade val="50000"/>
-            </a:schemeClr>
-          </a:lnRef>
-          <a:fillRef idx="1">
-            <a:schemeClr val="accent1"/>
-          </a:fillRef>
-          <a:effectRef idx="0">
-            <a:schemeClr val="accent1"/>
-          </a:effectRef>
-          <a:fontRef idx="minor">
-            <a:schemeClr val="lt1"/>
-          </a:fontRef>
-        </p:style>
-        <p:txBody>
-          <a:bodyPr rtlCol="0" anchor="ctr"/>
-          <a:lstStyle/>
-          <a:p>
-            <a:pPr algn="ctr"/>
-            <a:endParaRPr lang="zh-CN" altLang="en-US">
-              <a:latin typeface="微软雅黑" panose="020B0503020204020204" pitchFamily="34" charset="-122"/>
-              <a:ea typeface="微软雅黑" panose="020B0503020204020204" pitchFamily="34" charset="-122"/>
-            </a:endParaRPr>
-          </a:p>
-        </p:txBody>
-      </p:sp>
-      <p:sp>
-        <p:nvSpPr>
-          <p:cNvPr id="44" name="动作按钮: 空白 43">
-            <a:hlinkClick r:id="rId7" highlightClick="1"/>
-            <a:extLst>
-              <a:ext uri="{FF2B5EF4-FFF2-40B4-BE49-F238E27FC236}">
-                <a16:creationId xmlns:a16="http://schemas.microsoft.com/office/drawing/2014/main" id="{46A75D9E-0E2F-4EBA-9D26-B7655331780E}"/>
-              </a:ext>
-            </a:extLst>
-          </p:cNvPr>
-          <p:cNvSpPr/>
-          <p:nvPr/>
-        </p:nvSpPr>
-        <p:spPr>
-          <a:xfrm>
-            <a:off x="8711192" y="764935"/>
-            <a:ext cx="1938527" cy="502974"/>
-          </a:xfrm>
-          <a:prstGeom prst="actionButtonBlank">
-            <a:avLst/>
-          </a:prstGeom>
-          <a:solidFill>
-            <a:schemeClr val="bg1">
-              <a:alpha val="10000"/>
-            </a:schemeClr>
-          </a:solidFill>
-          <a:ln>
-            <a:noFill/>
-          </a:ln>
-        </p:spPr>
-        <p:style>
-          <a:lnRef idx="2">
-            <a:schemeClr val="accent1">
-              <a:shade val="50000"/>
-            </a:schemeClr>
-          </a:lnRef>
-          <a:fillRef idx="1">
-            <a:schemeClr val="accent1"/>
-          </a:fillRef>
-          <a:effectRef idx="0">
-            <a:schemeClr val="accent1"/>
-          </a:effectRef>
-          <a:fontRef idx="minor">
-            <a:schemeClr val="lt1"/>
-          </a:fontRef>
-        </p:style>
-        <p:txBody>
-          <a:bodyPr rtlCol="0" anchor="ctr"/>
-          <a:lstStyle/>
-          <a:p>
-            <a:pPr algn="ctr"/>
-            <a:endParaRPr lang="zh-CN" altLang="en-US">
-              <a:latin typeface="微软雅黑" panose="020B0503020204020204" pitchFamily="34" charset="-122"/>
-              <a:ea typeface="微软雅黑" panose="020B0503020204020204" pitchFamily="34" charset="-122"/>
-            </a:endParaRPr>
-          </a:p>
-        </p:txBody>
-      </p:sp>
-      <p:sp>
-        <p:nvSpPr>
-          <p:cNvPr id="46" name="动作按钮: 空白 45">
-            <a:hlinkClick r:id="rId8" highlightClick="1"/>
             <a:extLst>
               <a:ext uri="{FF2B5EF4-FFF2-40B4-BE49-F238E27FC236}">
                 <a16:creationId xmlns:a16="http://schemas.microsoft.com/office/drawing/2014/main" id="{EC4C9B14-01A6-4D09-9E24-32B0EE57AB0C}"/>
@@ -4443,7 +3840,7 @@
       <p:sp>
         <p:nvSpPr>
           <p:cNvPr id="48" name="动作按钮: 空白 47">
-            <a:hlinkClick r:id="rId9" highlightClick="1"/>
+            <a:hlinkClick r:id="rId6" highlightClick="1"/>
             <a:extLst>
               <a:ext uri="{FF2B5EF4-FFF2-40B4-BE49-F238E27FC236}">
                 <a16:creationId xmlns:a16="http://schemas.microsoft.com/office/drawing/2014/main" id="{66F7C6D2-9F84-4B17-B802-B8C9BE7FB1D3}"/>
@@ -4464,6 +3861,768 @@
           <a:solidFill>
             <a:schemeClr val="bg1">
               <a:lumMod val="95000"/>
+              <a:alpha val="10000"/>
+            </a:schemeClr>
+          </a:solidFill>
+          <a:ln>
+            <a:noFill/>
+          </a:ln>
+        </p:spPr>
+        <p:style>
+          <a:lnRef idx="2">
+            <a:schemeClr val="accent1">
+              <a:shade val="50000"/>
+            </a:schemeClr>
+          </a:lnRef>
+          <a:fillRef idx="1">
+            <a:schemeClr val="accent1"/>
+          </a:fillRef>
+          <a:effectRef idx="0">
+            <a:schemeClr val="accent1"/>
+          </a:effectRef>
+          <a:fontRef idx="minor">
+            <a:schemeClr val="lt1"/>
+          </a:fontRef>
+        </p:style>
+        <p:txBody>
+          <a:bodyPr rtlCol="0" anchor="ctr"/>
+          <a:lstStyle/>
+          <a:p>
+            <a:pPr algn="ctr"/>
+            <a:endParaRPr lang="zh-CN" altLang="en-US">
+              <a:latin typeface="微软雅黑" panose="020B0503020204020204" pitchFamily="34" charset="-122"/>
+              <a:ea typeface="微软雅黑" panose="020B0503020204020204" pitchFamily="34" charset="-122"/>
+            </a:endParaRPr>
+          </a:p>
+        </p:txBody>
+      </p:sp>
+      <p:sp>
+        <p:nvSpPr>
+          <p:cNvPr id="2" name="矩形: 圆角 1">
+            <a:extLst>
+              <a:ext uri="{FF2B5EF4-FFF2-40B4-BE49-F238E27FC236}">
+                <a16:creationId xmlns:a16="http://schemas.microsoft.com/office/drawing/2014/main" id="{825793CC-396E-4B46-8D41-EEE01046A890}"/>
+              </a:ext>
+            </a:extLst>
+          </p:cNvPr>
+          <p:cNvSpPr/>
+          <p:nvPr/>
+        </p:nvSpPr>
+        <p:spPr>
+          <a:xfrm>
+            <a:off x="1536192" y="1655064"/>
+            <a:ext cx="2962656" cy="3127248"/>
+          </a:xfrm>
+          <a:prstGeom prst="roundRect">
+            <a:avLst>
+              <a:gd name="adj" fmla="val 1852"/>
+            </a:avLst>
+          </a:prstGeom>
+          <a:solidFill>
+            <a:schemeClr val="bg1">
+              <a:lumMod val="95000"/>
+            </a:schemeClr>
+          </a:solidFill>
+          <a:ln>
+            <a:noFill/>
+          </a:ln>
+        </p:spPr>
+        <p:style>
+          <a:lnRef idx="2">
+            <a:schemeClr val="accent1">
+              <a:shade val="50000"/>
+            </a:schemeClr>
+          </a:lnRef>
+          <a:fillRef idx="1">
+            <a:schemeClr val="accent1"/>
+          </a:fillRef>
+          <a:effectRef idx="0">
+            <a:schemeClr val="accent1"/>
+          </a:effectRef>
+          <a:fontRef idx="minor">
+            <a:schemeClr val="lt1"/>
+          </a:fontRef>
+        </p:style>
+        <p:txBody>
+          <a:bodyPr rtlCol="0" anchor="ctr"/>
+          <a:lstStyle/>
+          <a:p>
+            <a:pPr algn="ctr"/>
+            <a:endParaRPr lang="zh-CN" altLang="en-US"/>
+          </a:p>
+        </p:txBody>
+      </p:sp>
+      <p:sp>
+        <p:nvSpPr>
+          <p:cNvPr id="3" name="文本框 2">
+            <a:extLst>
+              <a:ext uri="{FF2B5EF4-FFF2-40B4-BE49-F238E27FC236}">
+                <a16:creationId xmlns:a16="http://schemas.microsoft.com/office/drawing/2014/main" id="{92E3D79A-BD49-4E32-AE44-03BDF907FFE6}"/>
+              </a:ext>
+            </a:extLst>
+          </p:cNvPr>
+          <p:cNvSpPr txBox="1"/>
+          <p:nvPr/>
+        </p:nvSpPr>
+        <p:spPr>
+          <a:xfrm>
+            <a:off x="1536192" y="4240527"/>
+            <a:ext cx="2962656" cy="369332"/>
+          </a:xfrm>
+          <a:prstGeom prst="rect">
+            <a:avLst/>
+          </a:prstGeom>
+          <a:noFill/>
+        </p:spPr>
+        <p:txBody>
+          <a:bodyPr wrap="square" rtlCol="0">
+            <a:spAutoFit/>
+          </a:bodyPr>
+          <a:lstStyle/>
+          <a:p>
+            <a:pPr algn="ctr"/>
+            <a:r>
+              <a:rPr lang="en-US" altLang="zh-CN" dirty="0">
+                <a:latin typeface="微软雅黑" panose="020B0503020204020204" pitchFamily="34" charset="-122"/>
+                <a:ea typeface="微软雅黑" panose="020B0503020204020204" pitchFamily="34" charset="-122"/>
+              </a:rPr>
+              <a:t>QQ</a:t>
+            </a:r>
+            <a:endParaRPr lang="zh-CN" altLang="en-US" dirty="0">
+              <a:latin typeface="微软雅黑" panose="020B0503020204020204" pitchFamily="34" charset="-122"/>
+              <a:ea typeface="微软雅黑" panose="020B0503020204020204" pitchFamily="34" charset="-122"/>
+            </a:endParaRPr>
+          </a:p>
+        </p:txBody>
+      </p:sp>
+      <p:pic>
+        <p:nvPicPr>
+          <p:cNvPr id="9" name="图片 8">
+            <a:extLst>
+              <a:ext uri="{FF2B5EF4-FFF2-40B4-BE49-F238E27FC236}">
+                <a16:creationId xmlns:a16="http://schemas.microsoft.com/office/drawing/2014/main" id="{971145DE-02EF-4A84-A5FD-87F3A1900076}"/>
+              </a:ext>
+            </a:extLst>
+          </p:cNvPr>
+          <p:cNvPicPr>
+            <a:picLocks noChangeAspect="1"/>
+          </p:cNvPicPr>
+          <p:nvPr/>
+        </p:nvPicPr>
+        <p:blipFill>
+          <a:blip r:embed="rId7">
+            <a:clrChange>
+              <a:clrFrom>
+                <a:srgbClr val="FFFFFF"/>
+              </a:clrFrom>
+              <a:clrTo>
+                <a:srgbClr val="FFFFFF">
+                  <a:alpha val="0"/>
+                </a:srgbClr>
+              </a:clrTo>
+            </a:clrChange>
+          </a:blip>
+          <a:stretch>
+            <a:fillRect/>
+          </a:stretch>
+        </p:blipFill>
+        <p:spPr>
+          <a:xfrm>
+            <a:off x="1819550" y="1845983"/>
+            <a:ext cx="2432515" cy="2322777"/>
+          </a:xfrm>
+          <a:prstGeom prst="rect">
+            <a:avLst/>
+          </a:prstGeom>
+        </p:spPr>
+      </p:pic>
+      <p:sp>
+        <p:nvSpPr>
+          <p:cNvPr id="11" name="动作按钮: 空白 10">
+            <a:hlinkClick r:id="rId8" highlightClick="1"/>
+            <a:extLst>
+              <a:ext uri="{FF2B5EF4-FFF2-40B4-BE49-F238E27FC236}">
+                <a16:creationId xmlns:a16="http://schemas.microsoft.com/office/drawing/2014/main" id="{6C81805B-CD18-4418-AACC-9AEECA2080EA}"/>
+              </a:ext>
+            </a:extLst>
+          </p:cNvPr>
+          <p:cNvSpPr/>
+          <p:nvPr/>
+        </p:nvSpPr>
+        <p:spPr>
+          <a:xfrm>
+            <a:off x="1536192" y="1655064"/>
+            <a:ext cx="2962656" cy="3122749"/>
+          </a:xfrm>
+          <a:prstGeom prst="actionButtonBlank">
+            <a:avLst/>
+          </a:prstGeom>
+          <a:solidFill>
+            <a:schemeClr val="bg1">
+              <a:alpha val="10000"/>
+            </a:schemeClr>
+          </a:solidFill>
+          <a:ln>
+            <a:noFill/>
+          </a:ln>
+        </p:spPr>
+        <p:style>
+          <a:lnRef idx="2">
+            <a:schemeClr val="accent1">
+              <a:shade val="50000"/>
+            </a:schemeClr>
+          </a:lnRef>
+          <a:fillRef idx="1">
+            <a:schemeClr val="accent1"/>
+          </a:fillRef>
+          <a:effectRef idx="0">
+            <a:schemeClr val="accent1"/>
+          </a:effectRef>
+          <a:fontRef idx="minor">
+            <a:schemeClr val="lt1"/>
+          </a:fontRef>
+        </p:style>
+        <p:txBody>
+          <a:bodyPr rtlCol="0" anchor="ctr"/>
+          <a:lstStyle/>
+          <a:p>
+            <a:pPr algn="ctr"/>
+            <a:endParaRPr lang="zh-CN" altLang="en-US">
+              <a:latin typeface="微软雅黑" panose="020B0503020204020204" pitchFamily="34" charset="-122"/>
+              <a:ea typeface="微软雅黑" panose="020B0503020204020204" pitchFamily="34" charset="-122"/>
+            </a:endParaRPr>
+          </a:p>
+        </p:txBody>
+      </p:sp>
+      <p:sp>
+        <p:nvSpPr>
+          <p:cNvPr id="16" name="矩形: 圆角 15">
+            <a:extLst>
+              <a:ext uri="{FF2B5EF4-FFF2-40B4-BE49-F238E27FC236}">
+                <a16:creationId xmlns:a16="http://schemas.microsoft.com/office/drawing/2014/main" id="{64AE6E20-C3D0-4281-BA8F-9FDCD5DABDC8}"/>
+              </a:ext>
+            </a:extLst>
+          </p:cNvPr>
+          <p:cNvSpPr/>
+          <p:nvPr/>
+        </p:nvSpPr>
+        <p:spPr>
+          <a:xfrm>
+            <a:off x="1536192" y="4946401"/>
+            <a:ext cx="2962656" cy="1289807"/>
+          </a:xfrm>
+          <a:prstGeom prst="roundRect">
+            <a:avLst>
+              <a:gd name="adj" fmla="val 3979"/>
+            </a:avLst>
+          </a:prstGeom>
+          <a:solidFill>
+            <a:srgbClr val="FFE5FB"/>
+          </a:solidFill>
+          <a:ln>
+            <a:noFill/>
+          </a:ln>
+        </p:spPr>
+        <p:style>
+          <a:lnRef idx="2">
+            <a:schemeClr val="accent1">
+              <a:shade val="50000"/>
+            </a:schemeClr>
+          </a:lnRef>
+          <a:fillRef idx="1">
+            <a:schemeClr val="accent1"/>
+          </a:fillRef>
+          <a:effectRef idx="0">
+            <a:schemeClr val="accent1"/>
+          </a:effectRef>
+          <a:fontRef idx="minor">
+            <a:schemeClr val="lt1"/>
+          </a:fontRef>
+        </p:style>
+        <p:txBody>
+          <a:bodyPr rtlCol="0" anchor="ctr"/>
+          <a:lstStyle/>
+          <a:p>
+            <a:pPr algn="ctr"/>
+            <a:endParaRPr lang="zh-CN" altLang="en-US"/>
+          </a:p>
+        </p:txBody>
+      </p:sp>
+      <p:pic>
+        <p:nvPicPr>
+          <p:cNvPr id="14" name="图片 13" descr="紫色的卡通人物&#10;&#10;低可信度描述已自动生成">
+            <a:extLst>
+              <a:ext uri="{FF2B5EF4-FFF2-40B4-BE49-F238E27FC236}">
+                <a16:creationId xmlns:a16="http://schemas.microsoft.com/office/drawing/2014/main" id="{B8E6F4B9-93B3-4FE7-951A-91CBACF18257}"/>
+              </a:ext>
+            </a:extLst>
+          </p:cNvPr>
+          <p:cNvPicPr>
+            <a:picLocks noChangeAspect="1"/>
+          </p:cNvPicPr>
+          <p:nvPr/>
+        </p:nvPicPr>
+        <p:blipFill>
+          <a:blip r:embed="rId9">
+            <a:extLst>
+              <a:ext uri="{28A0092B-C50C-407E-A947-70E740481C1C}">
+                <a14:useLocalDpi xmlns:a14="http://schemas.microsoft.com/office/drawing/2010/main" val="0"/>
+              </a:ext>
+            </a:extLst>
+          </a:blip>
+          <a:stretch>
+            <a:fillRect/>
+          </a:stretch>
+        </p:blipFill>
+        <p:spPr>
+          <a:xfrm>
+            <a:off x="1759391" y="5114987"/>
+            <a:ext cx="952633" cy="952633"/>
+          </a:xfrm>
+          <a:prstGeom prst="roundRect">
+            <a:avLst>
+              <a:gd name="adj" fmla="val 30105"/>
+            </a:avLst>
+          </a:prstGeom>
+        </p:spPr>
+      </p:pic>
+      <p:sp>
+        <p:nvSpPr>
+          <p:cNvPr id="17" name="文本框 16">
+            <a:extLst>
+              <a:ext uri="{FF2B5EF4-FFF2-40B4-BE49-F238E27FC236}">
+                <a16:creationId xmlns:a16="http://schemas.microsoft.com/office/drawing/2014/main" id="{2E44DED4-E510-4740-9447-7C4803E90512}"/>
+              </a:ext>
+            </a:extLst>
+          </p:cNvPr>
+          <p:cNvSpPr txBox="1"/>
+          <p:nvPr/>
+        </p:nvSpPr>
+        <p:spPr>
+          <a:xfrm>
+            <a:off x="2834640" y="5131547"/>
+            <a:ext cx="1664208" cy="874407"/>
+          </a:xfrm>
+          <a:prstGeom prst="rect">
+            <a:avLst/>
+          </a:prstGeom>
+          <a:noFill/>
+        </p:spPr>
+        <p:txBody>
+          <a:bodyPr wrap="square" rtlCol="0">
+            <a:spAutoFit/>
+          </a:bodyPr>
+          <a:lstStyle/>
+          <a:p>
+            <a:pPr>
+              <a:lnSpc>
+                <a:spcPct val="150000"/>
+              </a:lnSpc>
+            </a:pPr>
+            <a:r>
+              <a:rPr lang="en-US" altLang="zh-CN" dirty="0">
+                <a:latin typeface="微软雅黑" panose="020B0503020204020204" pitchFamily="34" charset="-122"/>
+                <a:ea typeface="微软雅黑" panose="020B0503020204020204" pitchFamily="34" charset="-122"/>
+              </a:rPr>
+              <a:t>Bilibili</a:t>
+            </a:r>
+          </a:p>
+          <a:p>
+            <a:pPr>
+              <a:lnSpc>
+                <a:spcPct val="150000"/>
+              </a:lnSpc>
+            </a:pPr>
+            <a:r>
+              <a:rPr lang="en-US" altLang="zh-CN" dirty="0">
+                <a:latin typeface="微软雅黑" panose="020B0503020204020204" pitchFamily="34" charset="-122"/>
+                <a:ea typeface="微软雅黑" panose="020B0503020204020204" pitchFamily="34" charset="-122"/>
+              </a:rPr>
+              <a:t>msedge</a:t>
+            </a:r>
+            <a:endParaRPr lang="zh-CN" altLang="en-US" dirty="0">
+              <a:latin typeface="微软雅黑" panose="020B0503020204020204" pitchFamily="34" charset="-122"/>
+              <a:ea typeface="微软雅黑" panose="020B0503020204020204" pitchFamily="34" charset="-122"/>
+            </a:endParaRPr>
+          </a:p>
+        </p:txBody>
+      </p:sp>
+      <p:sp>
+        <p:nvSpPr>
+          <p:cNvPr id="18" name="动作按钮: 空白 17">
+            <a:hlinkClick r:id="rId10" highlightClick="1"/>
+            <a:extLst>
+              <a:ext uri="{FF2B5EF4-FFF2-40B4-BE49-F238E27FC236}">
+                <a16:creationId xmlns:a16="http://schemas.microsoft.com/office/drawing/2014/main" id="{B43C8CFC-C62F-4E18-8060-F9FA0ED25B86}"/>
+              </a:ext>
+            </a:extLst>
+          </p:cNvPr>
+          <p:cNvSpPr/>
+          <p:nvPr/>
+        </p:nvSpPr>
+        <p:spPr>
+          <a:xfrm>
+            <a:off x="1536192" y="4941902"/>
+            <a:ext cx="2962656" cy="1289806"/>
+          </a:xfrm>
+          <a:prstGeom prst="actionButtonBlank">
+            <a:avLst/>
+          </a:prstGeom>
+          <a:solidFill>
+            <a:schemeClr val="bg1">
+              <a:alpha val="10000"/>
+            </a:schemeClr>
+          </a:solidFill>
+          <a:ln>
+            <a:noFill/>
+          </a:ln>
+        </p:spPr>
+        <p:style>
+          <a:lnRef idx="2">
+            <a:schemeClr val="accent1">
+              <a:shade val="50000"/>
+            </a:schemeClr>
+          </a:lnRef>
+          <a:fillRef idx="1">
+            <a:schemeClr val="accent1"/>
+          </a:fillRef>
+          <a:effectRef idx="0">
+            <a:schemeClr val="accent1"/>
+          </a:effectRef>
+          <a:fontRef idx="minor">
+            <a:schemeClr val="lt1"/>
+          </a:fontRef>
+        </p:style>
+        <p:txBody>
+          <a:bodyPr rtlCol="0" anchor="ctr"/>
+          <a:lstStyle/>
+          <a:p>
+            <a:pPr algn="ctr"/>
+            <a:endParaRPr lang="zh-CN" altLang="en-US">
+              <a:latin typeface="微软雅黑" panose="020B0503020204020204" pitchFamily="34" charset="-122"/>
+              <a:ea typeface="微软雅黑" panose="020B0503020204020204" pitchFamily="34" charset="-122"/>
+            </a:endParaRPr>
+          </a:p>
+        </p:txBody>
+      </p:sp>
+      <p:sp>
+        <p:nvSpPr>
+          <p:cNvPr id="26" name="矩形: 圆角 25">
+            <a:extLst>
+              <a:ext uri="{FF2B5EF4-FFF2-40B4-BE49-F238E27FC236}">
+                <a16:creationId xmlns:a16="http://schemas.microsoft.com/office/drawing/2014/main" id="{74DEDC4D-77FE-4D0A-8629-E068AA8D606E}"/>
+              </a:ext>
+            </a:extLst>
+          </p:cNvPr>
+          <p:cNvSpPr/>
+          <p:nvPr/>
+        </p:nvSpPr>
+        <p:spPr>
+          <a:xfrm>
+            <a:off x="4782206" y="1659563"/>
+            <a:ext cx="2542138" cy="3118250"/>
+          </a:xfrm>
+          <a:prstGeom prst="roundRect">
+            <a:avLst>
+              <a:gd name="adj" fmla="val 3979"/>
+            </a:avLst>
+          </a:prstGeom>
+          <a:solidFill>
+            <a:srgbClr val="1AB8F2"/>
+          </a:solidFill>
+          <a:ln>
+            <a:noFill/>
+          </a:ln>
+        </p:spPr>
+        <p:style>
+          <a:lnRef idx="2">
+            <a:schemeClr val="accent1">
+              <a:shade val="50000"/>
+            </a:schemeClr>
+          </a:lnRef>
+          <a:fillRef idx="1">
+            <a:schemeClr val="accent1"/>
+          </a:fillRef>
+          <a:effectRef idx="0">
+            <a:schemeClr val="accent1"/>
+          </a:effectRef>
+          <a:fontRef idx="minor">
+            <a:schemeClr val="lt1"/>
+          </a:fontRef>
+        </p:style>
+        <p:txBody>
+          <a:bodyPr rtlCol="0" anchor="ctr"/>
+          <a:lstStyle/>
+          <a:p>
+            <a:pPr algn="ctr"/>
+            <a:endParaRPr lang="zh-CN" altLang="en-US"/>
+          </a:p>
+        </p:txBody>
+      </p:sp>
+      <p:sp>
+        <p:nvSpPr>
+          <p:cNvPr id="30" name="文本框 29">
+            <a:extLst>
+              <a:ext uri="{FF2B5EF4-FFF2-40B4-BE49-F238E27FC236}">
+                <a16:creationId xmlns:a16="http://schemas.microsoft.com/office/drawing/2014/main" id="{1EB0754C-DC96-4EC0-B990-ACA1073A429A}"/>
+              </a:ext>
+            </a:extLst>
+          </p:cNvPr>
+          <p:cNvSpPr txBox="1"/>
+          <p:nvPr/>
+        </p:nvSpPr>
+        <p:spPr>
+          <a:xfrm>
+            <a:off x="4782206" y="4120471"/>
+            <a:ext cx="2542138" cy="458908"/>
+          </a:xfrm>
+          <a:prstGeom prst="rect">
+            <a:avLst/>
+          </a:prstGeom>
+          <a:noFill/>
+        </p:spPr>
+        <p:txBody>
+          <a:bodyPr wrap="square" rtlCol="0">
+            <a:spAutoFit/>
+          </a:bodyPr>
+          <a:lstStyle/>
+          <a:p>
+            <a:pPr algn="ctr">
+              <a:lnSpc>
+                <a:spcPct val="150000"/>
+              </a:lnSpc>
+            </a:pPr>
+            <a:r>
+              <a:rPr lang="zh-CN" altLang="en-US" dirty="0">
+                <a:solidFill>
+                  <a:schemeClr val="bg1"/>
+                </a:solidFill>
+                <a:latin typeface="微软雅黑" panose="020B0503020204020204" pitchFamily="34" charset="-122"/>
+                <a:ea typeface="微软雅黑" panose="020B0503020204020204" pitchFamily="34" charset="-122"/>
+              </a:rPr>
+              <a:t>反馈中心</a:t>
+            </a:r>
+          </a:p>
+        </p:txBody>
+      </p:sp>
+      <p:pic>
+        <p:nvPicPr>
+          <p:cNvPr id="49" name="图片 48" descr="画着卡通人物&#10;&#10;中度可信度描述已自动生成">
+            <a:extLst>
+              <a:ext uri="{FF2B5EF4-FFF2-40B4-BE49-F238E27FC236}">
+                <a16:creationId xmlns:a16="http://schemas.microsoft.com/office/drawing/2014/main" id="{E446BD2A-B8CB-4764-863A-18B157D4F676}"/>
+              </a:ext>
+            </a:extLst>
+          </p:cNvPr>
+          <p:cNvPicPr>
+            <a:picLocks noChangeAspect="1"/>
+          </p:cNvPicPr>
+          <p:nvPr/>
+        </p:nvPicPr>
+        <p:blipFill>
+          <a:blip r:embed="rId11">
+            <a:extLst>
+              <a:ext uri="{28A0092B-C50C-407E-A947-70E740481C1C}">
+                <a14:useLocalDpi xmlns:a14="http://schemas.microsoft.com/office/drawing/2010/main" val="0"/>
+              </a:ext>
+            </a:extLst>
+          </a:blip>
+          <a:stretch>
+            <a:fillRect/>
+          </a:stretch>
+        </p:blipFill>
+        <p:spPr>
+          <a:xfrm>
+            <a:off x="5440607" y="2439037"/>
+            <a:ext cx="1292498" cy="1292498"/>
+          </a:xfrm>
+          <a:prstGeom prst="rect">
+            <a:avLst/>
+          </a:prstGeom>
+        </p:spPr>
+      </p:pic>
+      <p:sp>
+        <p:nvSpPr>
+          <p:cNvPr id="50" name="动作按钮: 空白 49">
+            <a:hlinkClick r:id="rId12" highlightClick="1"/>
+            <a:extLst>
+              <a:ext uri="{FF2B5EF4-FFF2-40B4-BE49-F238E27FC236}">
+                <a16:creationId xmlns:a16="http://schemas.microsoft.com/office/drawing/2014/main" id="{3B902F40-8968-4BF2-8724-EDF3FDF325F6}"/>
+              </a:ext>
+            </a:extLst>
+          </p:cNvPr>
+          <p:cNvSpPr/>
+          <p:nvPr/>
+        </p:nvSpPr>
+        <p:spPr>
+          <a:xfrm>
+            <a:off x="4782206" y="1655064"/>
+            <a:ext cx="2542138" cy="3122749"/>
+          </a:xfrm>
+          <a:prstGeom prst="actionButtonBlank">
+            <a:avLst/>
+          </a:prstGeom>
+          <a:solidFill>
+            <a:schemeClr val="bg1">
+              <a:alpha val="10000"/>
+            </a:schemeClr>
+          </a:solidFill>
+          <a:ln>
+            <a:noFill/>
+          </a:ln>
+        </p:spPr>
+        <p:style>
+          <a:lnRef idx="2">
+            <a:schemeClr val="accent1">
+              <a:shade val="50000"/>
+            </a:schemeClr>
+          </a:lnRef>
+          <a:fillRef idx="1">
+            <a:schemeClr val="accent1"/>
+          </a:fillRef>
+          <a:effectRef idx="0">
+            <a:schemeClr val="accent1"/>
+          </a:effectRef>
+          <a:fontRef idx="minor">
+            <a:schemeClr val="lt1"/>
+          </a:fontRef>
+        </p:style>
+        <p:txBody>
+          <a:bodyPr rtlCol="0" anchor="ctr"/>
+          <a:lstStyle/>
+          <a:p>
+            <a:pPr algn="ctr"/>
+            <a:endParaRPr lang="zh-CN" altLang="en-US">
+              <a:latin typeface="微软雅黑" panose="020B0503020204020204" pitchFamily="34" charset="-122"/>
+              <a:ea typeface="微软雅黑" panose="020B0503020204020204" pitchFamily="34" charset="-122"/>
+            </a:endParaRPr>
+          </a:p>
+        </p:txBody>
+      </p:sp>
+      <p:sp>
+        <p:nvSpPr>
+          <p:cNvPr id="52" name="矩形: 圆角 51">
+            <a:extLst>
+              <a:ext uri="{FF2B5EF4-FFF2-40B4-BE49-F238E27FC236}">
+                <a16:creationId xmlns:a16="http://schemas.microsoft.com/office/drawing/2014/main" id="{6BEF4612-DA0C-44AC-A795-2BC39AF30C2F}"/>
+              </a:ext>
+            </a:extLst>
+          </p:cNvPr>
+          <p:cNvSpPr/>
+          <p:nvPr/>
+        </p:nvSpPr>
+        <p:spPr>
+          <a:xfrm>
+            <a:off x="4782206" y="4941902"/>
+            <a:ext cx="2542138" cy="1289806"/>
+          </a:xfrm>
+          <a:prstGeom prst="roundRect">
+            <a:avLst>
+              <a:gd name="adj" fmla="val 3979"/>
+            </a:avLst>
+          </a:prstGeom>
+          <a:solidFill>
+            <a:schemeClr val="bg1">
+              <a:lumMod val="95000"/>
+            </a:schemeClr>
+          </a:solidFill>
+          <a:ln>
+            <a:solidFill>
+              <a:srgbClr val="FFFFFF"/>
+            </a:solidFill>
+          </a:ln>
+        </p:spPr>
+        <p:style>
+          <a:lnRef idx="2">
+            <a:schemeClr val="accent1">
+              <a:shade val="50000"/>
+            </a:schemeClr>
+          </a:lnRef>
+          <a:fillRef idx="1">
+            <a:schemeClr val="accent1"/>
+          </a:fillRef>
+          <a:effectRef idx="0">
+            <a:schemeClr val="accent1"/>
+          </a:effectRef>
+          <a:fontRef idx="minor">
+            <a:schemeClr val="lt1"/>
+          </a:fontRef>
+        </p:style>
+        <p:txBody>
+          <a:bodyPr rtlCol="0" anchor="ctr"/>
+          <a:lstStyle/>
+          <a:p>
+            <a:pPr algn="ctr"/>
+            <a:endParaRPr lang="zh-CN" altLang="en-US"/>
+          </a:p>
+        </p:txBody>
+      </p:sp>
+      <p:sp>
+        <p:nvSpPr>
+          <p:cNvPr id="54" name="文本框 53">
+            <a:extLst>
+              <a:ext uri="{FF2B5EF4-FFF2-40B4-BE49-F238E27FC236}">
+                <a16:creationId xmlns:a16="http://schemas.microsoft.com/office/drawing/2014/main" id="{AAA89B82-D6AD-4E10-A84A-04D9B12DB376}"/>
+              </a:ext>
+            </a:extLst>
+          </p:cNvPr>
+          <p:cNvSpPr txBox="1"/>
+          <p:nvPr/>
+        </p:nvSpPr>
+        <p:spPr>
+          <a:xfrm>
+            <a:off x="4815787" y="5327833"/>
+            <a:ext cx="2542138" cy="458908"/>
+          </a:xfrm>
+          <a:prstGeom prst="rect">
+            <a:avLst/>
+          </a:prstGeom>
+          <a:noFill/>
+        </p:spPr>
+        <p:txBody>
+          <a:bodyPr wrap="square" rtlCol="0">
+            <a:spAutoFit/>
+          </a:bodyPr>
+          <a:lstStyle/>
+          <a:p>
+            <a:pPr algn="ctr">
+              <a:lnSpc>
+                <a:spcPct val="150000"/>
+              </a:lnSpc>
+            </a:pPr>
+            <a:r>
+              <a:rPr lang="zh-CN" altLang="en-US" dirty="0">
+                <a:latin typeface="微软雅黑" panose="020B0503020204020204" pitchFamily="34" charset="-122"/>
+                <a:ea typeface="微软雅黑" panose="020B0503020204020204" pitchFamily="34" charset="-122"/>
+              </a:rPr>
+              <a:t>加入团队</a:t>
+            </a:r>
+          </a:p>
+        </p:txBody>
+      </p:sp>
+      <p:sp>
+        <p:nvSpPr>
+          <p:cNvPr id="60" name="动作按钮: 空白 59">
+            <a:hlinkClick r:id="rId13" highlightClick="1"/>
+            <a:extLst>
+              <a:ext uri="{FF2B5EF4-FFF2-40B4-BE49-F238E27FC236}">
+                <a16:creationId xmlns:a16="http://schemas.microsoft.com/office/drawing/2014/main" id="{7F1EB641-C3FC-46A0-8635-FE33B6E918EB}"/>
+              </a:ext>
+            </a:extLst>
+          </p:cNvPr>
+          <p:cNvSpPr/>
+          <p:nvPr/>
+        </p:nvSpPr>
+        <p:spPr>
+          <a:xfrm>
+            <a:off x="4794578" y="4957690"/>
+            <a:ext cx="2529766" cy="1289805"/>
+          </a:xfrm>
+          <a:prstGeom prst="actionButtonBlank">
+            <a:avLst/>
+          </a:prstGeom>
+          <a:solidFill>
+            <a:schemeClr val="bg1">
               <a:alpha val="10000"/>
             </a:schemeClr>
           </a:solidFill>
